--- a/hunger1.pptx
+++ b/hunger1.pptx
@@ -7,19 +7,20 @@
   </p:sldMasterIdLst>
   <p:sldIdLst>
     <p:sldId id="256" r:id="rId3"/>
-    <p:sldId id="257" r:id="rId4"/>
-    <p:sldId id="258" r:id="rId5"/>
-    <p:sldId id="259" r:id="rId6"/>
-    <p:sldId id="260" r:id="rId7"/>
-    <p:sldId id="261" r:id="rId8"/>
-    <p:sldId id="262" r:id="rId9"/>
-    <p:sldId id="263" r:id="rId10"/>
-    <p:sldId id="264" r:id="rId11"/>
-    <p:sldId id="265" r:id="rId12"/>
-    <p:sldId id="266" r:id="rId13"/>
-    <p:sldId id="267" r:id="rId14"/>
-    <p:sldId id="268" r:id="rId15"/>
-    <p:sldId id="269" r:id="rId16"/>
+    <p:sldId id="270" r:id="rId4"/>
+    <p:sldId id="257" r:id="rId5"/>
+    <p:sldId id="258" r:id="rId6"/>
+    <p:sldId id="259" r:id="rId7"/>
+    <p:sldId id="260" r:id="rId8"/>
+    <p:sldId id="261" r:id="rId9"/>
+    <p:sldId id="262" r:id="rId10"/>
+    <p:sldId id="263" r:id="rId11"/>
+    <p:sldId id="264" r:id="rId12"/>
+    <p:sldId id="265" r:id="rId13"/>
+    <p:sldId id="266" r:id="rId14"/>
+    <p:sldId id="267" r:id="rId15"/>
+    <p:sldId id="268" r:id="rId16"/>
+    <p:sldId id="269" r:id="rId17"/>
   </p:sldIdLst>
   <p:sldSz cx="12192000" cy="6858000"/>
   <p:notesSz cx="6858000" cy="9144000"/>
@@ -120,7 +121,7 @@
   </p:defaultTextStyle>
   <p:extLst>
     <p:ext uri="{EFAFB233-063F-42B5-8137-9DF3F51BA10A}">
-      <p15:sldGuideLst xmlns:p15="http://schemas.microsoft.com/office/powerpoint/2012/main" xmlns="">
+      <p15:sldGuideLst xmlns="" xmlns:p15="http://schemas.microsoft.com/office/powerpoint/2012/main">
         <p15:guide id="1" orient="horz" pos="2160" userDrawn="1">
           <p15:clr>
             <a:srgbClr val="A4A3A4"/>
@@ -401,16 +402,16 @@
               <c:strCache>
                 <c:ptCount val="4"/>
                 <c:pt idx="0">
-                  <c:v>1st Qtr</c:v>
+                  <c:v>Money</c:v>
                 </c:pt>
                 <c:pt idx="1">
-                  <c:v>2nd Qtr</c:v>
+                  <c:v>Food</c:v>
                 </c:pt>
                 <c:pt idx="2">
-                  <c:v>3rd Qtr</c:v>
+                  <c:v>Nothing</c:v>
                 </c:pt>
                 <c:pt idx="3">
-                  <c:v>4th Qtr</c:v>
+                  <c:v>Other stuff</c:v>
                 </c:pt>
               </c:strCache>
             </c:strRef>
@@ -422,13 +423,13 @@
                 <c:formatCode>0%</c:formatCode>
                 <c:ptCount val="4"/>
                 <c:pt idx="0">
-                  <c:v>0.25</c:v>
+                  <c:v>0.2</c:v>
                 </c:pt>
                 <c:pt idx="1">
-                  <c:v>0.6</c:v>
+                  <c:v>0.75</c:v>
                 </c:pt>
                 <c:pt idx="2">
-                  <c:v>0.05</c:v>
+                  <c:v>0.02</c:v>
                 </c:pt>
                 <c:pt idx="3">
                   <c:v>0.1</c:v>
@@ -7667,6 +7668,808 @@
           <a:chExt cx="0" cy="0"/>
         </a:xfrm>
       </p:grpSpPr>
+      <p:grpSp>
+        <p:nvGrpSpPr>
+          <p:cNvPr id="21" name="Group 20"/>
+          <p:cNvGrpSpPr/>
+          <p:nvPr/>
+        </p:nvGrpSpPr>
+        <p:grpSpPr>
+          <a:xfrm>
+            <a:off x="429171" y="321053"/>
+            <a:ext cx="5044109" cy="3356896"/>
+            <a:chOff x="4042972" y="537099"/>
+            <a:chExt cx="6289210" cy="4185523"/>
+          </a:xfrm>
+        </p:grpSpPr>
+        <p:grpSp>
+          <p:nvGrpSpPr>
+            <p:cNvPr id="22" name="Group 21"/>
+            <p:cNvGrpSpPr/>
+            <p:nvPr/>
+          </p:nvGrpSpPr>
+          <p:grpSpPr>
+            <a:xfrm>
+              <a:off x="4042972" y="537099"/>
+              <a:ext cx="427772" cy="422366"/>
+              <a:chOff x="4648938" y="1655761"/>
+              <a:chExt cx="640555" cy="632460"/>
+            </a:xfrm>
+            <a:solidFill>
+              <a:srgbClr val="91B9A3"/>
+            </a:solidFill>
+          </p:grpSpPr>
+          <p:sp>
+            <p:nvSpPr>
+              <p:cNvPr id="27" name="Rectangle 26"/>
+              <p:cNvSpPr/>
+              <p:nvPr/>
+            </p:nvSpPr>
+            <p:spPr>
+              <a:xfrm>
+                <a:off x="4648938" y="1655761"/>
+                <a:ext cx="223837" cy="632460"/>
+              </a:xfrm>
+              <a:prstGeom prst="rect">
+                <a:avLst/>
+              </a:prstGeom>
+              <a:grpFill/>
+              <a:ln>
+                <a:noFill/>
+              </a:ln>
+            </p:spPr>
+            <p:style>
+              <a:lnRef idx="2">
+                <a:schemeClr val="accent1">
+                  <a:shade val="50000"/>
+                </a:schemeClr>
+              </a:lnRef>
+              <a:fillRef idx="1">
+                <a:schemeClr val="accent1"/>
+              </a:fillRef>
+              <a:effectRef idx="0">
+                <a:schemeClr val="accent1"/>
+              </a:effectRef>
+              <a:fontRef idx="minor">
+                <a:schemeClr val="lt1"/>
+              </a:fontRef>
+            </p:style>
+            <p:txBody>
+              <a:bodyPr rtlCol="0" anchor="ctr"/>
+              <a:lstStyle/>
+              <a:p>
+                <a:pPr algn="ctr"/>
+                <a:endParaRPr lang="pl-PL" b="1">
+                  <a:latin typeface="Open Sans" panose="020B0606030504020204" pitchFamily="34" charset="0"/>
+                  <a:ea typeface="Open Sans" panose="020B0606030504020204" pitchFamily="34" charset="0"/>
+                  <a:cs typeface="Open Sans" panose="020B0606030504020204" pitchFamily="34" charset="0"/>
+                </a:endParaRPr>
+              </a:p>
+            </p:txBody>
+          </p:sp>
+          <p:sp>
+            <p:nvSpPr>
+              <p:cNvPr id="28" name="Rectangle 27"/>
+              <p:cNvSpPr/>
+              <p:nvPr/>
+            </p:nvSpPr>
+            <p:spPr>
+              <a:xfrm rot="5400000">
+                <a:off x="4861344" y="1451928"/>
+                <a:ext cx="223837" cy="632460"/>
+              </a:xfrm>
+              <a:prstGeom prst="rect">
+                <a:avLst/>
+              </a:prstGeom>
+              <a:grpFill/>
+              <a:ln>
+                <a:noFill/>
+              </a:ln>
+            </p:spPr>
+            <p:style>
+              <a:lnRef idx="2">
+                <a:schemeClr val="accent1">
+                  <a:shade val="50000"/>
+                </a:schemeClr>
+              </a:lnRef>
+              <a:fillRef idx="1">
+                <a:schemeClr val="accent1"/>
+              </a:fillRef>
+              <a:effectRef idx="0">
+                <a:schemeClr val="accent1"/>
+              </a:effectRef>
+              <a:fontRef idx="minor">
+                <a:schemeClr val="lt1"/>
+              </a:fontRef>
+            </p:style>
+            <p:txBody>
+              <a:bodyPr rtlCol="0" anchor="ctr"/>
+              <a:lstStyle/>
+              <a:p>
+                <a:pPr algn="ctr"/>
+                <a:endParaRPr lang="pl-PL" b="1">
+                  <a:latin typeface="Open Sans" panose="020B0606030504020204" pitchFamily="34" charset="0"/>
+                  <a:ea typeface="Open Sans" panose="020B0606030504020204" pitchFamily="34" charset="0"/>
+                  <a:cs typeface="Open Sans" panose="020B0606030504020204" pitchFamily="34" charset="0"/>
+                </a:endParaRPr>
+              </a:p>
+            </p:txBody>
+          </p:sp>
+        </p:grpSp>
+        <p:grpSp>
+          <p:nvGrpSpPr>
+            <p:cNvPr id="23" name="Group 22"/>
+            <p:cNvGrpSpPr/>
+            <p:nvPr/>
+          </p:nvGrpSpPr>
+          <p:grpSpPr>
+            <a:xfrm rot="10800000">
+              <a:off x="9904416" y="4300256"/>
+              <a:ext cx="427766" cy="422366"/>
+              <a:chOff x="1373122" y="-3695857"/>
+              <a:chExt cx="640545" cy="632460"/>
+            </a:xfrm>
+            <a:solidFill>
+              <a:srgbClr val="91B9A3"/>
+            </a:solidFill>
+          </p:grpSpPr>
+          <p:sp>
+            <p:nvSpPr>
+              <p:cNvPr id="25" name="Rectangle 24"/>
+              <p:cNvSpPr/>
+              <p:nvPr/>
+            </p:nvSpPr>
+            <p:spPr>
+              <a:xfrm>
+                <a:off x="1373122" y="-3695857"/>
+                <a:ext cx="223837" cy="632460"/>
+              </a:xfrm>
+              <a:prstGeom prst="rect">
+                <a:avLst/>
+              </a:prstGeom>
+              <a:grpFill/>
+              <a:ln>
+                <a:noFill/>
+              </a:ln>
+            </p:spPr>
+            <p:style>
+              <a:lnRef idx="2">
+                <a:schemeClr val="accent1">
+                  <a:shade val="50000"/>
+                </a:schemeClr>
+              </a:lnRef>
+              <a:fillRef idx="1">
+                <a:schemeClr val="accent1"/>
+              </a:fillRef>
+              <a:effectRef idx="0">
+                <a:schemeClr val="accent1"/>
+              </a:effectRef>
+              <a:fontRef idx="minor">
+                <a:schemeClr val="lt1"/>
+              </a:fontRef>
+            </p:style>
+            <p:txBody>
+              <a:bodyPr rtlCol="0" anchor="ctr"/>
+              <a:lstStyle/>
+              <a:p>
+                <a:pPr algn="ctr"/>
+                <a:endParaRPr lang="pl-PL" b="1">
+                  <a:latin typeface="Open Sans" panose="020B0606030504020204" pitchFamily="34" charset="0"/>
+                  <a:ea typeface="Open Sans" panose="020B0606030504020204" pitchFamily="34" charset="0"/>
+                  <a:cs typeface="Open Sans" panose="020B0606030504020204" pitchFamily="34" charset="0"/>
+                </a:endParaRPr>
+              </a:p>
+            </p:txBody>
+          </p:sp>
+          <p:sp>
+            <p:nvSpPr>
+              <p:cNvPr id="26" name="Rectangle 25"/>
+              <p:cNvSpPr/>
+              <p:nvPr/>
+            </p:nvSpPr>
+            <p:spPr>
+              <a:xfrm rot="5400000">
+                <a:off x="1585521" y="-3899681"/>
+                <a:ext cx="223837" cy="632455"/>
+              </a:xfrm>
+              <a:prstGeom prst="rect">
+                <a:avLst/>
+              </a:prstGeom>
+              <a:grpFill/>
+              <a:ln>
+                <a:noFill/>
+              </a:ln>
+            </p:spPr>
+            <p:style>
+              <a:lnRef idx="2">
+                <a:schemeClr val="accent1">
+                  <a:shade val="50000"/>
+                </a:schemeClr>
+              </a:lnRef>
+              <a:fillRef idx="1">
+                <a:schemeClr val="accent1"/>
+              </a:fillRef>
+              <a:effectRef idx="0">
+                <a:schemeClr val="accent1"/>
+              </a:effectRef>
+              <a:fontRef idx="minor">
+                <a:schemeClr val="lt1"/>
+              </a:fontRef>
+            </p:style>
+            <p:txBody>
+              <a:bodyPr rtlCol="0" anchor="ctr"/>
+              <a:lstStyle/>
+              <a:p>
+                <a:pPr algn="ctr"/>
+                <a:endParaRPr lang="pl-PL" b="1">
+                  <a:latin typeface="Open Sans" panose="020B0606030504020204" pitchFamily="34" charset="0"/>
+                  <a:ea typeface="Open Sans" panose="020B0606030504020204" pitchFamily="34" charset="0"/>
+                  <a:cs typeface="Open Sans" panose="020B0606030504020204" pitchFamily="34" charset="0"/>
+                </a:endParaRPr>
+              </a:p>
+            </p:txBody>
+          </p:sp>
+        </p:grpSp>
+        <p:sp>
+          <p:nvSpPr>
+            <p:cNvPr id="24" name="TextBox 23"/>
+            <p:cNvSpPr txBox="1"/>
+            <p:nvPr/>
+          </p:nvSpPr>
+          <p:spPr>
+            <a:xfrm>
+              <a:off x="4255683" y="693606"/>
+              <a:ext cx="5794609" cy="3799115"/>
+            </a:xfrm>
+            <a:prstGeom prst="rect">
+              <a:avLst/>
+            </a:prstGeom>
+            <a:noFill/>
+          </p:spPr>
+          <p:txBody>
+            <a:bodyPr wrap="none" rtlCol="0">
+              <a:spAutoFit/>
+            </a:bodyPr>
+            <a:lstStyle/>
+            <a:p>
+              <a:r>
+                <a:rPr lang="en-US" sz="9600" b="1" spc="-150" dirty="0">
+                  <a:solidFill>
+                    <a:schemeClr val="bg1">
+                      <a:lumMod val="65000"/>
+                    </a:schemeClr>
+                  </a:solidFill>
+                  <a:latin typeface="Open Sans" panose="020B0606030504020204" pitchFamily="34" charset="0"/>
+                  <a:ea typeface="Open Sans" panose="020B0606030504020204" pitchFamily="34" charset="0"/>
+                  <a:cs typeface="Open Sans" panose="020B0606030504020204" pitchFamily="34" charset="0"/>
+                </a:rPr>
+                <a:t>SLIDE </a:t>
+              </a:r>
+            </a:p>
+            <a:p>
+              <a:r>
+                <a:rPr lang="en-US" sz="9600" b="1" spc="-150" dirty="0">
+                  <a:solidFill>
+                    <a:schemeClr val="bg1">
+                      <a:lumMod val="65000"/>
+                    </a:schemeClr>
+                  </a:solidFill>
+                  <a:latin typeface="Open Sans" panose="020B0606030504020204" pitchFamily="34" charset="0"/>
+                  <a:ea typeface="Open Sans" panose="020B0606030504020204" pitchFamily="34" charset="0"/>
+                  <a:cs typeface="Open Sans" panose="020B0606030504020204" pitchFamily="34" charset="0"/>
+                </a:rPr>
+                <a:t>DESIGN</a:t>
+              </a:r>
+              <a:endParaRPr lang="pl-PL" sz="9600" b="1" spc="-150" dirty="0">
+                <a:solidFill>
+                  <a:schemeClr val="bg1">
+                    <a:lumMod val="65000"/>
+                  </a:schemeClr>
+                </a:solidFill>
+                <a:latin typeface="Open Sans" panose="020B0606030504020204" pitchFamily="34" charset="0"/>
+                <a:ea typeface="Open Sans" panose="020B0606030504020204" pitchFamily="34" charset="0"/>
+                <a:cs typeface="Open Sans" panose="020B0606030504020204" pitchFamily="34" charset="0"/>
+              </a:endParaRPr>
+            </a:p>
+          </p:txBody>
+        </p:sp>
+      </p:grpSp>
+      <p:grpSp>
+        <p:nvGrpSpPr>
+          <p:cNvPr id="39" name="Group 38"/>
+          <p:cNvGrpSpPr/>
+          <p:nvPr/>
+        </p:nvGrpSpPr>
+        <p:grpSpPr>
+          <a:xfrm>
+            <a:off x="5236381" y="-21771"/>
+            <a:ext cx="6673091" cy="6887028"/>
+            <a:chOff x="5442860" y="-21771"/>
+            <a:chExt cx="6598101" cy="6809634"/>
+          </a:xfrm>
+        </p:grpSpPr>
+        <p:sp>
+          <p:nvSpPr>
+            <p:cNvPr id="11" name="Flowchart: Merge 10"/>
+            <p:cNvSpPr/>
+            <p:nvPr/>
+          </p:nvSpPr>
+          <p:spPr>
+            <a:xfrm>
+              <a:off x="5442860" y="0"/>
+              <a:ext cx="4325255" cy="2201664"/>
+            </a:xfrm>
+            <a:prstGeom prst="flowChartMerge">
+              <a:avLst/>
+            </a:prstGeom>
+            <a:blipFill>
+              <a:blip r:embed="rId2" cstate="email">
+                <a:extLst>
+                  <a:ext uri="{28A0092B-C50C-407E-A947-70E740481C1C}">
+                    <a14:useLocalDpi xmlns:a14="http://schemas.microsoft.com/office/drawing/2010/main"/>
+                  </a:ext>
+                </a:extLst>
+              </a:blip>
+              <a:srcRect/>
+              <a:stretch>
+                <a:fillRect/>
+              </a:stretch>
+            </a:blipFill>
+            <a:ln>
+              <a:noFill/>
+            </a:ln>
+          </p:spPr>
+          <p:style>
+            <a:lnRef idx="2">
+              <a:schemeClr val="accent1">
+                <a:shade val="50000"/>
+              </a:schemeClr>
+            </a:lnRef>
+            <a:fillRef idx="1">
+              <a:schemeClr val="accent1"/>
+            </a:fillRef>
+            <a:effectRef idx="0">
+              <a:schemeClr val="accent1"/>
+            </a:effectRef>
+            <a:fontRef idx="minor">
+              <a:schemeClr val="lt1"/>
+            </a:fontRef>
+          </p:style>
+          <p:txBody>
+            <a:bodyPr rtlCol="0" anchor="ctr"/>
+            <a:lstStyle/>
+            <a:p>
+              <a:pPr algn="ctr"/>
+              <a:endParaRPr lang="pl-PL"/>
+            </a:p>
+          </p:txBody>
+        </p:sp>
+        <p:sp>
+          <p:nvSpPr>
+            <p:cNvPr id="12" name="Flowchart: Merge 11"/>
+            <p:cNvSpPr/>
+            <p:nvPr/>
+          </p:nvSpPr>
+          <p:spPr>
+            <a:xfrm rot="10800000">
+              <a:off x="5442860" y="2280837"/>
+              <a:ext cx="4325255" cy="2201664"/>
+            </a:xfrm>
+            <a:prstGeom prst="flowChartMerge">
+              <a:avLst/>
+            </a:prstGeom>
+            <a:noFill/>
+            <a:ln w="19050">
+              <a:solidFill>
+                <a:schemeClr val="bg2">
+                  <a:lumMod val="75000"/>
+                </a:schemeClr>
+              </a:solidFill>
+            </a:ln>
+          </p:spPr>
+          <p:style>
+            <a:lnRef idx="2">
+              <a:schemeClr val="accent1">
+                <a:shade val="50000"/>
+              </a:schemeClr>
+            </a:lnRef>
+            <a:fillRef idx="1">
+              <a:schemeClr val="accent1"/>
+            </a:fillRef>
+            <a:effectRef idx="0">
+              <a:schemeClr val="accent1"/>
+            </a:effectRef>
+            <a:fontRef idx="minor">
+              <a:schemeClr val="lt1"/>
+            </a:fontRef>
+          </p:style>
+          <p:txBody>
+            <a:bodyPr rtlCol="0" anchor="ctr"/>
+            <a:lstStyle/>
+            <a:p>
+              <a:pPr algn="ctr"/>
+              <a:endParaRPr lang="pl-PL"/>
+            </a:p>
+          </p:txBody>
+        </p:sp>
+        <p:sp>
+          <p:nvSpPr>
+            <p:cNvPr id="13" name="Flowchart: Merge 12"/>
+            <p:cNvSpPr/>
+            <p:nvPr/>
+          </p:nvSpPr>
+          <p:spPr>
+            <a:xfrm>
+              <a:off x="5442860" y="4586199"/>
+              <a:ext cx="4325255" cy="2201664"/>
+            </a:xfrm>
+            <a:prstGeom prst="flowChartMerge">
+              <a:avLst/>
+            </a:prstGeom>
+            <a:blipFill>
+              <a:blip r:embed="rId3" cstate="email">
+                <a:extLst>
+                  <a:ext uri="{28A0092B-C50C-407E-A947-70E740481C1C}">
+                    <a14:useLocalDpi xmlns:a14="http://schemas.microsoft.com/office/drawing/2010/main"/>
+                  </a:ext>
+                </a:extLst>
+              </a:blip>
+              <a:srcRect/>
+              <a:stretch>
+                <a:fillRect/>
+              </a:stretch>
+            </a:blipFill>
+            <a:ln>
+              <a:noFill/>
+            </a:ln>
+          </p:spPr>
+          <p:style>
+            <a:lnRef idx="2">
+              <a:schemeClr val="accent1">
+                <a:shade val="50000"/>
+              </a:schemeClr>
+            </a:lnRef>
+            <a:fillRef idx="1">
+              <a:schemeClr val="accent1"/>
+            </a:fillRef>
+            <a:effectRef idx="0">
+              <a:schemeClr val="accent1"/>
+            </a:effectRef>
+            <a:fontRef idx="minor">
+              <a:schemeClr val="lt1"/>
+            </a:fontRef>
+          </p:style>
+          <p:txBody>
+            <a:bodyPr rtlCol="0" anchor="ctr"/>
+            <a:lstStyle/>
+            <a:p>
+              <a:pPr algn="ctr"/>
+              <a:endParaRPr lang="pl-PL"/>
+            </a:p>
+          </p:txBody>
+        </p:sp>
+        <p:sp>
+          <p:nvSpPr>
+            <p:cNvPr id="15" name="Flowchart: Merge 14"/>
+            <p:cNvSpPr/>
+            <p:nvPr/>
+          </p:nvSpPr>
+          <p:spPr>
+            <a:xfrm rot="10800000">
+              <a:off x="7701192" y="4578942"/>
+              <a:ext cx="4325255" cy="2201664"/>
+            </a:xfrm>
+            <a:prstGeom prst="flowChartMerge">
+              <a:avLst/>
+            </a:prstGeom>
+            <a:solidFill>
+              <a:srgbClr val="AFABAB"/>
+            </a:solidFill>
+            <a:ln w="19050">
+              <a:solidFill>
+                <a:schemeClr val="bg2">
+                  <a:lumMod val="75000"/>
+                </a:schemeClr>
+              </a:solidFill>
+            </a:ln>
+          </p:spPr>
+          <p:style>
+            <a:lnRef idx="2">
+              <a:schemeClr val="accent1">
+                <a:shade val="50000"/>
+              </a:schemeClr>
+            </a:lnRef>
+            <a:fillRef idx="1">
+              <a:schemeClr val="accent1"/>
+            </a:fillRef>
+            <a:effectRef idx="0">
+              <a:schemeClr val="accent1"/>
+            </a:effectRef>
+            <a:fontRef idx="minor">
+              <a:schemeClr val="lt1"/>
+            </a:fontRef>
+          </p:style>
+          <p:txBody>
+            <a:bodyPr rtlCol="0" anchor="ctr"/>
+            <a:lstStyle/>
+            <a:p>
+              <a:pPr algn="ctr"/>
+              <a:endParaRPr lang="pl-PL"/>
+            </a:p>
+          </p:txBody>
+        </p:sp>
+        <p:sp>
+          <p:nvSpPr>
+            <p:cNvPr id="16" name="Flowchart: Merge 15"/>
+            <p:cNvSpPr/>
+            <p:nvPr/>
+          </p:nvSpPr>
+          <p:spPr>
+            <a:xfrm>
+              <a:off x="7701192" y="2259659"/>
+              <a:ext cx="4325255" cy="2201664"/>
+            </a:xfrm>
+            <a:prstGeom prst="flowChartMerge">
+              <a:avLst/>
+            </a:prstGeom>
+            <a:blipFill>
+              <a:blip r:embed="rId4" cstate="email">
+                <a:extLst>
+                  <a:ext uri="{28A0092B-C50C-407E-A947-70E740481C1C}">
+                    <a14:useLocalDpi xmlns:a14="http://schemas.microsoft.com/office/drawing/2010/main"/>
+                  </a:ext>
+                </a:extLst>
+              </a:blip>
+              <a:srcRect/>
+              <a:stretch>
+                <a:fillRect/>
+              </a:stretch>
+            </a:blipFill>
+            <a:ln>
+              <a:noFill/>
+            </a:ln>
+          </p:spPr>
+          <p:style>
+            <a:lnRef idx="2">
+              <a:schemeClr val="accent1">
+                <a:shade val="50000"/>
+              </a:schemeClr>
+            </a:lnRef>
+            <a:fillRef idx="1">
+              <a:schemeClr val="accent1"/>
+            </a:fillRef>
+            <a:effectRef idx="0">
+              <a:schemeClr val="accent1"/>
+            </a:effectRef>
+            <a:fontRef idx="minor">
+              <a:schemeClr val="lt1"/>
+            </a:fontRef>
+          </p:style>
+          <p:txBody>
+            <a:bodyPr rtlCol="0" anchor="ctr"/>
+            <a:lstStyle/>
+            <a:p>
+              <a:pPr algn="ctr"/>
+              <a:endParaRPr lang="pl-PL"/>
+            </a:p>
+          </p:txBody>
+        </p:sp>
+        <p:sp>
+          <p:nvSpPr>
+            <p:cNvPr id="17" name="Flowchart: Merge 16"/>
+            <p:cNvSpPr/>
+            <p:nvPr/>
+          </p:nvSpPr>
+          <p:spPr>
+            <a:xfrm rot="10800000">
+              <a:off x="7715706" y="-21771"/>
+              <a:ext cx="4325255" cy="2201664"/>
+            </a:xfrm>
+            <a:prstGeom prst="flowChartMerge">
+              <a:avLst/>
+            </a:prstGeom>
+            <a:noFill/>
+            <a:ln w="19050">
+              <a:solidFill>
+                <a:schemeClr val="bg2">
+                  <a:lumMod val="75000"/>
+                </a:schemeClr>
+              </a:solidFill>
+            </a:ln>
+          </p:spPr>
+          <p:style>
+            <a:lnRef idx="2">
+              <a:schemeClr val="accent1">
+                <a:shade val="50000"/>
+              </a:schemeClr>
+            </a:lnRef>
+            <a:fillRef idx="1">
+              <a:schemeClr val="accent1"/>
+            </a:fillRef>
+            <a:effectRef idx="0">
+              <a:schemeClr val="accent1"/>
+            </a:effectRef>
+            <a:fontRef idx="minor">
+              <a:schemeClr val="lt1"/>
+            </a:fontRef>
+          </p:style>
+          <p:txBody>
+            <a:bodyPr rtlCol="0" anchor="ctr"/>
+            <a:lstStyle/>
+            <a:p>
+              <a:pPr algn="ctr"/>
+              <a:endParaRPr lang="pl-PL"/>
+            </a:p>
+          </p:txBody>
+        </p:sp>
+        <p:sp>
+          <p:nvSpPr>
+            <p:cNvPr id="29" name="Flowchart: Merge 28"/>
+            <p:cNvSpPr/>
+            <p:nvPr/>
+          </p:nvSpPr>
+          <p:spPr>
+            <a:xfrm rot="16200000">
+              <a:off x="6964596" y="2040339"/>
+              <a:ext cx="767023" cy="390434"/>
+            </a:xfrm>
+            <a:prstGeom prst="flowChartMerge">
+              <a:avLst/>
+            </a:prstGeom>
+            <a:solidFill>
+              <a:srgbClr val="91B9A3"/>
+            </a:solidFill>
+            <a:ln w="19050">
+              <a:noFill/>
+            </a:ln>
+          </p:spPr>
+          <p:style>
+            <a:lnRef idx="2">
+              <a:schemeClr val="accent1">
+                <a:shade val="50000"/>
+              </a:schemeClr>
+            </a:lnRef>
+            <a:fillRef idx="1">
+              <a:schemeClr val="accent1"/>
+            </a:fillRef>
+            <a:effectRef idx="0">
+              <a:schemeClr val="accent1"/>
+            </a:effectRef>
+            <a:fontRef idx="minor">
+              <a:schemeClr val="lt1"/>
+            </a:fontRef>
+          </p:style>
+          <p:txBody>
+            <a:bodyPr rtlCol="0" anchor="ctr"/>
+            <a:lstStyle/>
+            <a:p>
+              <a:pPr algn="ctr"/>
+              <a:endParaRPr lang="pl-PL"/>
+            </a:p>
+          </p:txBody>
+        </p:sp>
+        <p:sp>
+          <p:nvSpPr>
+            <p:cNvPr id="30" name="Flowchart: Merge 29"/>
+            <p:cNvSpPr/>
+            <p:nvPr/>
+          </p:nvSpPr>
+          <p:spPr>
+            <a:xfrm>
+              <a:off x="7247744" y="4582388"/>
+              <a:ext cx="923436" cy="470052"/>
+            </a:xfrm>
+            <a:prstGeom prst="flowChartMerge">
+              <a:avLst/>
+            </a:prstGeom>
+            <a:solidFill>
+              <a:schemeClr val="bg1"/>
+            </a:solidFill>
+            <a:ln w="19050">
+              <a:noFill/>
+            </a:ln>
+          </p:spPr>
+          <p:style>
+            <a:lnRef idx="2">
+              <a:schemeClr val="accent1">
+                <a:shade val="50000"/>
+              </a:schemeClr>
+            </a:lnRef>
+            <a:fillRef idx="1">
+              <a:schemeClr val="accent1"/>
+            </a:fillRef>
+            <a:effectRef idx="0">
+              <a:schemeClr val="accent1"/>
+            </a:effectRef>
+            <a:fontRef idx="minor">
+              <a:schemeClr val="lt1"/>
+            </a:fontRef>
+          </p:style>
+          <p:txBody>
+            <a:bodyPr rtlCol="0" anchor="ctr"/>
+            <a:lstStyle/>
+            <a:p>
+              <a:pPr algn="ctr"/>
+              <a:endParaRPr lang="pl-PL"/>
+            </a:p>
+          </p:txBody>
+        </p:sp>
+      </p:grpSp>
+      <p:sp>
+        <p:nvSpPr>
+          <p:cNvPr id="38" name="Rectangle 37"/>
+          <p:cNvSpPr/>
+          <p:nvPr/>
+        </p:nvSpPr>
+        <p:spPr>
+          <a:xfrm>
+            <a:off x="650597" y="4460289"/>
+            <a:ext cx="4037986" cy="1384995"/>
+          </a:xfrm>
+          <a:prstGeom prst="rect">
+            <a:avLst/>
+          </a:prstGeom>
+        </p:spPr>
+        <p:txBody>
+          <a:bodyPr wrap="square">
+            <a:spAutoFit/>
+          </a:bodyPr>
+          <a:lstStyle/>
+          <a:p>
+            <a:pPr algn="just"/>
+            <a:r>
+              <a:rPr lang="pl-PL" sz="1400" dirty="0">
+                <a:solidFill>
+                  <a:schemeClr val="bg1">
+                    <a:lumMod val="50000"/>
+                  </a:schemeClr>
+                </a:solidFill>
+                <a:latin typeface="Open Sans" panose="020B0606030504020204" pitchFamily="34" charset="0"/>
+                <a:ea typeface="Open Sans" panose="020B0606030504020204" pitchFamily="34" charset="0"/>
+                <a:cs typeface="Open Sans" panose="020B0606030504020204" pitchFamily="34" charset="0"/>
+              </a:rPr>
+              <a:t>Lorem ipsum dolor sit amet, consectetur adipiscing elit, sed do eiusmod tempor incididunt ut labore et dolore magna aliqua. Ut enim ad minim veniam, quis nostrud exercitation ullamco laboris nisi ut aliquip ex ea commodo consequat.</a:t>
+            </a:r>
+          </a:p>
+        </p:txBody>
+      </p:sp>
+    </p:spTree>
+    <p:extLst>
+      <p:ext uri="{BB962C8B-B14F-4D97-AF65-F5344CB8AC3E}">
+        <p14:creationId xmlns:p14="http://schemas.microsoft.com/office/powerpoint/2010/main" val="221663020"/>
+      </p:ext>
+    </p:extLst>
+  </p:cSld>
+  <p:clrMapOvr>
+    <a:masterClrMapping/>
+  </p:clrMapOvr>
+  <p:timing>
+    <p:tnLst>
+      <p:par>
+        <p:cTn id="1" dur="indefinite" restart="never" nodeType="tmRoot"/>
+      </p:par>
+    </p:tnLst>
+  </p:timing>
+</p:sld>
+</file>
+
+<file path=ppt/slides/slide11.xml><?xml version="1.0" encoding="utf-8"?>
+<p:sld xmlns:a="http://schemas.openxmlformats.org/drawingml/2006/main" xmlns:r="http://schemas.openxmlformats.org/officeDocument/2006/relationships" xmlns:p="http://schemas.openxmlformats.org/presentationml/2006/main">
+  <p:cSld>
+    <p:spTree>
+      <p:nvGrpSpPr>
+        <p:cNvPr id="1" name=""/>
+        <p:cNvGrpSpPr/>
+        <p:nvPr/>
+      </p:nvGrpSpPr>
+      <p:grpSpPr>
+        <a:xfrm>
+          <a:off x="0" y="0"/>
+          <a:ext cx="0" cy="0"/>
+          <a:chOff x="0" y="0"/>
+          <a:chExt cx="0" cy="0"/>
+        </a:xfrm>
+      </p:grpSpPr>
       <p:pic>
         <p:nvPicPr>
           <p:cNvPr id="4" name="Picture 3"/>
@@ -8238,10 +9041,17 @@
   <p:clrMapOvr>
     <a:masterClrMapping/>
   </p:clrMapOvr>
+  <p:timing>
+    <p:tnLst>
+      <p:par>
+        <p:cTn id="1" dur="indefinite" restart="never" nodeType="tmRoot"/>
+      </p:par>
+    </p:tnLst>
+  </p:timing>
 </p:sld>
 </file>
 
-<file path=ppt/slides/slide11.xml><?xml version="1.0" encoding="utf-8"?>
+<file path=ppt/slides/slide12.xml><?xml version="1.0" encoding="utf-8"?>
 <p:sld xmlns:a="http://schemas.openxmlformats.org/drawingml/2006/main" xmlns:r="http://schemas.openxmlformats.org/officeDocument/2006/relationships" xmlns:p="http://schemas.openxmlformats.org/presentationml/2006/main">
   <p:cSld>
     <p:spTree>
@@ -9263,10 +10073,17 @@
   <p:clrMapOvr>
     <a:masterClrMapping/>
   </p:clrMapOvr>
+  <p:timing>
+    <p:tnLst>
+      <p:par>
+        <p:cTn id="1" dur="indefinite" restart="never" nodeType="tmRoot"/>
+      </p:par>
+    </p:tnLst>
+  </p:timing>
 </p:sld>
 </file>
 
-<file path=ppt/slides/slide12.xml><?xml version="1.0" encoding="utf-8"?>
+<file path=ppt/slides/slide13.xml><?xml version="1.0" encoding="utf-8"?>
 <p:sld xmlns:a="http://schemas.openxmlformats.org/drawingml/2006/main" xmlns:r="http://schemas.openxmlformats.org/officeDocument/2006/relationships" xmlns:p="http://schemas.openxmlformats.org/presentationml/2006/main">
   <p:cSld>
     <p:spTree>
@@ -9698,10 +10515,17 @@
   <p:clrMapOvr>
     <a:masterClrMapping/>
   </p:clrMapOvr>
+  <p:timing>
+    <p:tnLst>
+      <p:par>
+        <p:cTn id="1" dur="indefinite" restart="never" nodeType="tmRoot"/>
+      </p:par>
+    </p:tnLst>
+  </p:timing>
 </p:sld>
 </file>
 
-<file path=ppt/slides/slide13.xml><?xml version="1.0" encoding="utf-8"?>
+<file path=ppt/slides/slide14.xml><?xml version="1.0" encoding="utf-8"?>
 <p:sld xmlns:a="http://schemas.openxmlformats.org/drawingml/2006/main" xmlns:r="http://schemas.openxmlformats.org/officeDocument/2006/relationships" xmlns:p="http://schemas.openxmlformats.org/presentationml/2006/main">
   <p:cSld>
     <p:bg>
@@ -9730,7 +10554,13 @@
         <p:nvGraphicFramePr>
           <p:cNvPr id="8" name="Chart 7"/>
           <p:cNvGraphicFramePr/>
-          <p:nvPr/>
+          <p:nvPr>
+            <p:extLst>
+              <p:ext uri="{D42A27DB-BD31-4B8C-83A1-F6EECF244321}">
+                <p14:modId xmlns:p14="http://schemas.microsoft.com/office/powerpoint/2010/main" val="2913766253"/>
+              </p:ext>
+            </p:extLst>
+          </p:nvPr>
         </p:nvGraphicFramePr>
         <p:xfrm>
           <a:off x="-287068" y="710865"/>
@@ -9782,22 +10612,28 @@
               <a:defRPr/>
             </a:pPr>
             <a:r>
-              <a:rPr kumimoji="0" lang="pl-PL" sz="6000" b="1" i="0" u="none" strike="noStrike" kern="1200" cap="none" spc="0" normalizeH="0" baseline="0" noProof="0" dirty="0">
-                <a:ln>
-                  <a:noFill/>
-                </a:ln>
+              <a:rPr lang="en-US" sz="6000" b="1" dirty="0" smtClean="0">
                 <a:solidFill>
                   <a:prstClr val="white"/>
                 </a:solidFill>
-                <a:effectLst/>
-                <a:uLnTx/>
-                <a:uFillTx/>
                 <a:latin typeface="Calibri" panose="020F0502020204030204"/>
-                <a:ea typeface="+mn-ea"/>
-                <a:cs typeface="+mn-cs"/>
               </a:rPr>
-              <a:t>Pie chart</a:t>
+              <a:t>STATs</a:t>
             </a:r>
+            <a:endParaRPr kumimoji="0" lang="pl-PL" sz="6000" b="1" i="0" u="none" strike="noStrike" kern="1200" cap="none" spc="0" normalizeH="0" baseline="0" noProof="0" dirty="0">
+              <a:ln>
+                <a:noFill/>
+              </a:ln>
+              <a:solidFill>
+                <a:prstClr val="white"/>
+              </a:solidFill>
+              <a:effectLst/>
+              <a:uLnTx/>
+              <a:uFillTx/>
+              <a:latin typeface="Calibri" panose="020F0502020204030204"/>
+              <a:ea typeface="+mn-ea"/>
+              <a:cs typeface="+mn-cs"/>
+            </a:endParaRPr>
           </a:p>
         </p:txBody>
       </p:sp>
@@ -9885,7 +10721,7 @@
         <p:spPr>
           <a:xfrm>
             <a:off x="7060350" y="2307713"/>
-            <a:ext cx="3670554" cy="1938992"/>
+            <a:ext cx="3670554" cy="1631216"/>
           </a:xfrm>
           <a:prstGeom prst="rect">
             <a:avLst/>
@@ -9898,7 +10734,7 @@
           </a:bodyPr>
           <a:lstStyle/>
           <a:p>
-            <a:pPr marL="0" marR="0" lvl="0" indent="0" algn="just" defTabSz="914400" rtl="0" eaLnBrk="1" fontAlgn="auto" latinLnBrk="0" hangingPunct="1">
+            <a:pPr marL="342900" marR="0" lvl="0" indent="-342900" algn="just" defTabSz="914400" rtl="0" eaLnBrk="1" fontAlgn="auto" latinLnBrk="0" hangingPunct="1">
               <a:lnSpc>
                 <a:spcPct val="100000"/>
               </a:lnSpc>
@@ -9910,13 +10746,13 @@
               </a:spcAft>
               <a:buClrTx/>
               <a:buSzTx/>
-              <a:buFontTx/>
-              <a:buNone/>
+              <a:buFont typeface="Arial" pitchFamily="34" charset="0"/>
+              <a:buChar char="•"/>
               <a:tabLst/>
               <a:defRPr/>
             </a:pPr>
             <a:r>
-              <a:rPr kumimoji="0" lang="pl-PL" sz="2000" b="0" i="0" u="none" strike="noStrike" kern="1200" cap="none" spc="0" normalizeH="0" baseline="0" noProof="0" dirty="0">
+              <a:rPr kumimoji="0" lang="en-US" sz="2000" b="0" i="0" u="none" strike="noStrike" kern="1200" cap="none" spc="0" normalizeH="0" baseline="0" noProof="0" dirty="0" smtClean="0">
                 <a:ln>
                   <a:noFill/>
                 </a:ln>
@@ -9930,7 +10766,125 @@
                 <a:ea typeface="+mn-ea"/>
                 <a:cs typeface="+mn-cs"/>
               </a:rPr>
-              <a:t>Lorem ipsum dolor sit amet, consectetur adipiscing elit, sed do eiusmod tempor incididunt ut labore et dolore magna aliqua. Ut enim ad minim veniam, quis nostrud </a:t>
+              <a:t>70% of the</a:t>
+            </a:r>
+            <a:r>
+              <a:rPr kumimoji="0" lang="en-US" sz="2000" b="0" i="0" u="none" strike="noStrike" kern="1200" cap="none" spc="0" normalizeH="0" noProof="0" dirty="0" smtClean="0">
+                <a:ln>
+                  <a:noFill/>
+                </a:ln>
+                <a:solidFill>
+                  <a:prstClr val="white"/>
+                </a:solidFill>
+                <a:effectLst/>
+                <a:uLnTx/>
+                <a:uFillTx/>
+                <a:latin typeface="Calibri" panose="020F0502020204030204"/>
+                <a:ea typeface="+mn-ea"/>
+                <a:cs typeface="+mn-cs"/>
+              </a:rPr>
+              <a:t> people wants to go for </a:t>
+            </a:r>
+            <a:r>
+              <a:rPr lang="en-US" sz="2000" dirty="0" smtClean="0">
+                <a:solidFill>
+                  <a:prstClr val="white"/>
+                </a:solidFill>
+                <a:latin typeface="Calibri" panose="020F0502020204030204"/>
+              </a:rPr>
+              <a:t>donating food</a:t>
+            </a:r>
+          </a:p>
+          <a:p>
+            <a:pPr marL="342900" marR="0" lvl="0" indent="-342900" algn="just" defTabSz="914400" rtl="0" eaLnBrk="1" fontAlgn="auto" latinLnBrk="0" hangingPunct="1">
+              <a:lnSpc>
+                <a:spcPct val="100000"/>
+              </a:lnSpc>
+              <a:spcBef>
+                <a:spcPts val="0"/>
+              </a:spcBef>
+              <a:spcAft>
+                <a:spcPts val="0"/>
+              </a:spcAft>
+              <a:buClrTx/>
+              <a:buSzTx/>
+              <a:buFont typeface="Arial" pitchFamily="34" charset="0"/>
+              <a:buChar char="•"/>
+              <a:tabLst/>
+              <a:defRPr/>
+            </a:pPr>
+            <a:r>
+              <a:rPr lang="en-US" sz="2000" dirty="0" smtClean="0">
+                <a:solidFill>
+                  <a:prstClr val="white"/>
+                </a:solidFill>
+                <a:latin typeface="Calibri" panose="020F0502020204030204"/>
+              </a:rPr>
+              <a:t>20% via money</a:t>
+            </a:r>
+          </a:p>
+          <a:p>
+            <a:pPr marL="342900" marR="0" lvl="0" indent="-342900" algn="just" defTabSz="914400" rtl="0" eaLnBrk="1" fontAlgn="auto" latinLnBrk="0" hangingPunct="1">
+              <a:lnSpc>
+                <a:spcPct val="100000"/>
+              </a:lnSpc>
+              <a:spcBef>
+                <a:spcPts val="0"/>
+              </a:spcBef>
+              <a:spcAft>
+                <a:spcPts val="0"/>
+              </a:spcAft>
+              <a:buClrTx/>
+              <a:buSzTx/>
+              <a:buFont typeface="Arial" pitchFamily="34" charset="0"/>
+              <a:buChar char="•"/>
+              <a:tabLst/>
+              <a:defRPr/>
+            </a:pPr>
+            <a:r>
+              <a:rPr lang="en-US" sz="2000" dirty="0" smtClean="0">
+                <a:solidFill>
+                  <a:prstClr val="white"/>
+                </a:solidFill>
+                <a:latin typeface="Calibri" panose="020F0502020204030204"/>
+              </a:rPr>
+              <a:t>10% via clothes</a:t>
+            </a:r>
+          </a:p>
+          <a:p>
+            <a:pPr marL="342900" marR="0" lvl="0" indent="-342900" algn="just" defTabSz="914400" rtl="0" eaLnBrk="1" fontAlgn="auto" latinLnBrk="0" hangingPunct="1">
+              <a:lnSpc>
+                <a:spcPct val="100000"/>
+              </a:lnSpc>
+              <a:spcBef>
+                <a:spcPts val="0"/>
+              </a:spcBef>
+              <a:spcAft>
+                <a:spcPts val="0"/>
+              </a:spcAft>
+              <a:buClrTx/>
+              <a:buSzTx/>
+              <a:buFont typeface="Arial" pitchFamily="34" charset="0"/>
+              <a:buChar char="•"/>
+              <a:tabLst/>
+              <a:defRPr/>
+            </a:pPr>
+            <a:r>
+              <a:rPr kumimoji="0" lang="en-US" sz="2000" b="0" i="0" u="none" strike="noStrike" kern="1200" cap="none" spc="0" normalizeH="0" baseline="0" noProof="0" dirty="0" smtClean="0">
+                <a:ln>
+                  <a:noFill/>
+                </a:ln>
+                <a:solidFill>
+                  <a:prstClr val="white"/>
+                </a:solidFill>
+                <a:effectLst/>
+                <a:uLnTx/>
+                <a:uFillTx/>
+                <a:latin typeface="Calibri" panose="020F0502020204030204"/>
+                <a:ea typeface="+mn-ea"/>
+                <a:cs typeface="+mn-cs"/>
+              </a:rPr>
+              <a:t>2% don’t want to donate</a:t>
             </a:r>
             <a:endParaRPr kumimoji="0" lang="pl-PL" sz="6600" b="0" i="0" u="none" strike="noStrike" kern="1200" cap="none" spc="0" normalizeH="0" baseline="0" noProof="0" dirty="0">
               <a:ln>
@@ -10008,6 +10962,32 @@
               <a:defRPr/>
             </a:pPr>
             <a:r>
+              <a:rPr lang="en-US" sz="2000" b="1" dirty="0">
+                <a:solidFill>
+                  <a:srgbClr val="1B1F3A"/>
+                </a:solidFill>
+                <a:latin typeface="Calibri" panose="020F0502020204030204"/>
+              </a:rPr>
+              <a:t>1</a:t>
+            </a:r>
+            <a:r>
+              <a:rPr kumimoji="0" lang="pl-PL" sz="2000" b="1" i="0" u="none" strike="noStrike" kern="1200" cap="none" spc="0" normalizeH="0" baseline="0" noProof="0" dirty="0" smtClean="0">
+                <a:ln>
+                  <a:noFill/>
+                </a:ln>
+                <a:solidFill>
+                  <a:srgbClr val="1B1F3A"/>
+                </a:solidFill>
+                <a:effectLst/>
+                <a:uLnTx/>
+                <a:uFillTx/>
+                <a:latin typeface="Calibri" panose="020F0502020204030204"/>
+                <a:ea typeface="+mn-ea"/>
+                <a:cs typeface="+mn-cs"/>
+              </a:rPr>
+              <a:t>5</a:t>
+            </a:r>
+            <a:r>
               <a:rPr kumimoji="0" lang="pl-PL" sz="2000" b="1" i="0" u="none" strike="noStrike" kern="1200" cap="none" spc="0" normalizeH="0" baseline="0" noProof="0" dirty="0">
                 <a:ln>
                   <a:noFill/>
@@ -10022,8 +11002,56 @@
                 <a:ea typeface="+mn-ea"/>
                 <a:cs typeface="+mn-cs"/>
               </a:rPr>
-              <a:t>25% growth over the year!</a:t>
+              <a:t>% </a:t>
             </a:r>
+            <a:endParaRPr lang="en-US" sz="2000" b="1" dirty="0" smtClean="0">
+              <a:solidFill>
+                <a:srgbClr val="1B1F3A"/>
+              </a:solidFill>
+              <a:latin typeface="Calibri" panose="020F0502020204030204"/>
+            </a:endParaRPr>
+          </a:p>
+          <a:p>
+            <a:pPr marL="0" marR="0" lvl="0" indent="0" algn="ctr" defTabSz="914400" rtl="0" eaLnBrk="1" fontAlgn="auto" latinLnBrk="0" hangingPunct="1">
+              <a:lnSpc>
+                <a:spcPct val="100000"/>
+              </a:lnSpc>
+              <a:spcBef>
+                <a:spcPts val="0"/>
+              </a:spcBef>
+              <a:spcAft>
+                <a:spcPts val="0"/>
+              </a:spcAft>
+              <a:buClrTx/>
+              <a:buSzTx/>
+              <a:buFontTx/>
+              <a:buNone/>
+              <a:tabLst/>
+              <a:defRPr/>
+            </a:pPr>
+            <a:r>
+              <a:rPr lang="en-US" sz="2000" b="1" dirty="0" smtClean="0">
+                <a:solidFill>
+                  <a:srgbClr val="1B1F3A"/>
+                </a:solidFill>
+                <a:latin typeface="Calibri" panose="020F0502020204030204"/>
+              </a:rPr>
+              <a:t>wants to donate via money</a:t>
+            </a:r>
+            <a:endParaRPr kumimoji="0" lang="pl-PL" sz="2000" b="1" i="0" u="none" strike="noStrike" kern="1200" cap="none" spc="0" normalizeH="0" baseline="0" noProof="0" dirty="0">
+              <a:ln>
+                <a:noFill/>
+              </a:ln>
+              <a:solidFill>
+                <a:srgbClr val="1B1F3A"/>
+              </a:solidFill>
+              <a:effectLst/>
+              <a:uLnTx/>
+              <a:uFillTx/>
+              <a:latin typeface="Calibri" panose="020F0502020204030204"/>
+              <a:ea typeface="+mn-ea"/>
+              <a:cs typeface="+mn-cs"/>
+            </a:endParaRPr>
           </a:p>
         </p:txBody>
       </p:sp>
@@ -10037,10 +11065,17 @@
   <p:clrMapOvr>
     <a:masterClrMapping/>
   </p:clrMapOvr>
+  <p:timing>
+    <p:tnLst>
+      <p:par>
+        <p:cTn id="1" dur="indefinite" restart="never" nodeType="tmRoot"/>
+      </p:par>
+    </p:tnLst>
+  </p:timing>
 </p:sld>
 </file>
 
-<file path=ppt/slides/slide14.xml><?xml version="1.0" encoding="utf-8"?>
+<file path=ppt/slides/slide15.xml><?xml version="1.0" encoding="utf-8"?>
 <p:sld xmlns:a="http://schemas.openxmlformats.org/drawingml/2006/main" xmlns:r="http://schemas.openxmlformats.org/officeDocument/2006/relationships" xmlns:p="http://schemas.openxmlformats.org/presentationml/2006/main">
   <p:cSld>
     <p:spTree>
@@ -11723,10 +12758,172 @@
   <p:clrMapOvr>
     <a:masterClrMapping/>
   </p:clrMapOvr>
+  <p:timing>
+    <p:tnLst>
+      <p:par>
+        <p:cTn id="1" dur="indefinite" restart="never" nodeType="tmRoot"/>
+      </p:par>
+    </p:tnLst>
+  </p:timing>
 </p:sld>
 </file>
 
 <file path=ppt/slides/slide2.xml><?xml version="1.0" encoding="utf-8"?>
+<p:sld xmlns:a="http://schemas.openxmlformats.org/drawingml/2006/main" xmlns:r="http://schemas.openxmlformats.org/officeDocument/2006/relationships" xmlns:p="http://schemas.openxmlformats.org/presentationml/2006/main">
+  <p:cSld>
+    <p:spTree>
+      <p:nvGrpSpPr>
+        <p:cNvPr id="1" name=""/>
+        <p:cNvGrpSpPr/>
+        <p:nvPr/>
+      </p:nvGrpSpPr>
+      <p:grpSpPr>
+        <a:xfrm>
+          <a:off x="0" y="0"/>
+          <a:ext cx="0" cy="0"/>
+          <a:chOff x="0" y="0"/>
+          <a:chExt cx="0" cy="0"/>
+        </a:xfrm>
+      </p:grpSpPr>
+      <p:sp>
+        <p:nvSpPr>
+          <p:cNvPr id="2" name="Title 1"/>
+          <p:cNvSpPr>
+            <a:spLocks noGrp="1"/>
+          </p:cNvSpPr>
+          <p:nvPr>
+            <p:ph type="title"/>
+          </p:nvPr>
+        </p:nvSpPr>
+        <p:spPr/>
+        <p:txBody>
+          <a:bodyPr/>
+          <a:lstStyle/>
+          <a:p>
+            <a:endParaRPr lang="en-US" dirty="0"/>
+          </a:p>
+        </p:txBody>
+      </p:sp>
+      <p:sp>
+        <p:nvSpPr>
+          <p:cNvPr id="3" name="Content Placeholder 2"/>
+          <p:cNvSpPr>
+            <a:spLocks noGrp="1"/>
+          </p:cNvSpPr>
+          <p:nvPr>
+            <p:ph idx="1"/>
+          </p:nvPr>
+        </p:nvSpPr>
+        <p:spPr/>
+        <p:txBody>
+          <a:bodyPr>
+            <a:normAutofit fontScale="92500" lnSpcReduction="20000"/>
+          </a:bodyPr>
+          <a:lstStyle/>
+          <a:p>
+            <a:r>
+              <a:rPr lang="en-US" dirty="0" smtClean="0"/>
+              <a:t>Intro</a:t>
+            </a:r>
+          </a:p>
+          <a:p>
+            <a:r>
+              <a:rPr lang="en-US" dirty="0" smtClean="0"/>
+              <a:t>Video showing poverty</a:t>
+            </a:r>
+          </a:p>
+          <a:p>
+            <a:r>
+              <a:rPr lang="en-US" dirty="0" smtClean="0"/>
+              <a:t>Food wastage a big problem-done</a:t>
+            </a:r>
+          </a:p>
+          <a:p>
+            <a:r>
+              <a:rPr lang="en-US" dirty="0" smtClean="0"/>
+              <a:t>Our </a:t>
+            </a:r>
+            <a:r>
+              <a:rPr lang="en-US" dirty="0" err="1" smtClean="0"/>
+              <a:t>Tg</a:t>
+            </a:r>
+            <a:r>
+              <a:rPr lang="en-US" dirty="0" smtClean="0"/>
+              <a:t> bot</a:t>
+            </a:r>
+          </a:p>
+          <a:p>
+            <a:r>
+              <a:rPr lang="en-US" dirty="0" smtClean="0"/>
+              <a:t>How </a:t>
+            </a:r>
+            <a:r>
+              <a:rPr lang="en-US" dirty="0" err="1" smtClean="0"/>
+              <a:t>tg</a:t>
+            </a:r>
+            <a:r>
+              <a:rPr lang="en-US" dirty="0" smtClean="0"/>
+              <a:t> is the best platform to do this</a:t>
+            </a:r>
+          </a:p>
+          <a:p>
+            <a:r>
+              <a:rPr lang="en-US" dirty="0" smtClean="0"/>
+              <a:t>How will our bot work(steps)-done</a:t>
+            </a:r>
+          </a:p>
+          <a:p>
+            <a:r>
+              <a:rPr lang="en-US" dirty="0" smtClean="0"/>
+              <a:t>Concepts used</a:t>
+            </a:r>
+          </a:p>
+          <a:p>
+            <a:r>
+              <a:rPr lang="en-US" dirty="0" smtClean="0"/>
+              <a:t>Screen Shots of the prototype</a:t>
+            </a:r>
+          </a:p>
+          <a:p>
+            <a:r>
+              <a:rPr lang="en-US" dirty="0" smtClean="0"/>
+              <a:t>References</a:t>
+            </a:r>
+          </a:p>
+          <a:p>
+            <a:r>
+              <a:rPr lang="en-US" dirty="0" smtClean="0"/>
+              <a:t>Thank you</a:t>
+            </a:r>
+          </a:p>
+          <a:p>
+            <a:pPr marL="0" indent="0">
+              <a:buNone/>
+            </a:pPr>
+            <a:endParaRPr lang="en-US" dirty="0" smtClean="0"/>
+          </a:p>
+          <a:p>
+            <a:endParaRPr lang="en-US" dirty="0" smtClean="0"/>
+          </a:p>
+          <a:p>
+            <a:endParaRPr lang="en-US" dirty="0"/>
+          </a:p>
+        </p:txBody>
+      </p:sp>
+    </p:spTree>
+    <p:extLst>
+      <p:ext uri="{BB962C8B-B14F-4D97-AF65-F5344CB8AC3E}">
+        <p14:creationId xmlns:p14="http://schemas.microsoft.com/office/powerpoint/2010/main" val="72668049"/>
+      </p:ext>
+    </p:extLst>
+  </p:cSld>
+  <p:clrMapOvr>
+    <a:masterClrMapping/>
+  </p:clrMapOvr>
+</p:sld>
+</file>
+
+<file path=ppt/slides/slide3.xml><?xml version="1.0" encoding="utf-8"?>
 <p:sld xmlns:a="http://schemas.openxmlformats.org/drawingml/2006/main" xmlns:r="http://schemas.openxmlformats.org/officeDocument/2006/relationships" xmlns:p="http://schemas.openxmlformats.org/presentationml/2006/main">
   <p:cSld>
     <p:bg>
@@ -12708,11 +13905,11 @@
               </a:path>
             </a:pathLst>
           </a:custGeom>
-          <a:blipFill>
-            <a:blip r:embed="rId2" cstate="email">
+          <a:blipFill dpi="0" rotWithShape="1">
+            <a:blip r:embed="rId2">
               <a:extLst>
                 <a:ext uri="{28A0092B-C50C-407E-A947-70E740481C1C}">
-                  <a14:useLocalDpi xmlns:a14="http://schemas.microsoft.com/office/drawing/2010/main"/>
+                  <a14:useLocalDpi xmlns:a14="http://schemas.microsoft.com/office/drawing/2010/main" val="0"/>
                 </a:ext>
               </a:extLst>
             </a:blip>
@@ -12885,11 +14082,11 @@
               </a:path>
             </a:pathLst>
           </a:custGeom>
-          <a:blipFill>
-            <a:blip r:embed="rId3" cstate="email">
+          <a:blipFill dpi="0" rotWithShape="1">
+            <a:blip r:embed="rId3">
               <a:extLst>
                 <a:ext uri="{28A0092B-C50C-407E-A947-70E740481C1C}">
-                  <a14:useLocalDpi xmlns:a14="http://schemas.microsoft.com/office/drawing/2010/main"/>
+                  <a14:useLocalDpi xmlns:a14="http://schemas.microsoft.com/office/drawing/2010/main" val="0"/>
                 </a:ext>
               </a:extLst>
             </a:blip>
@@ -13731,7 +14928,7 @@
 </p:sld>
 </file>
 
-<file path=ppt/slides/slide3.xml><?xml version="1.0" encoding="utf-8"?>
+<file path=ppt/slides/slide4.xml><?xml version="1.0" encoding="utf-8"?>
 <p:sld xmlns:a="http://schemas.openxmlformats.org/drawingml/2006/main" xmlns:r="http://schemas.openxmlformats.org/officeDocument/2006/relationships" xmlns:p="http://schemas.openxmlformats.org/presentationml/2006/main">
   <p:cSld>
     <p:spTree>
@@ -13982,7 +15179,7 @@
         </p:spPr>
         <p:txBody>
           <a:bodyPr vert="horz" lIns="91440" tIns="45720" rIns="91440" bIns="45720" rtlCol="0">
-            <a:normAutofit/>
+            <a:normAutofit fontScale="70000" lnSpcReduction="20000"/>
           </a:bodyPr>
           <a:lstStyle>
             <a:lvl1pPr marL="228600" indent="-228600" algn="l" defTabSz="914400" rtl="0" eaLnBrk="1" latinLnBrk="0" hangingPunct="1">
@@ -14153,7 +15350,7 @@
               <a:buNone/>
             </a:pPr>
             <a:r>
-              <a:rPr lang="pl-PL" sz="2000" dirty="0">
+              <a:rPr lang="en-US" sz="2000" dirty="0" smtClean="0">
                 <a:solidFill>
                   <a:srgbClr val="629AB8"/>
                 </a:solidFill>
@@ -14161,7 +15358,7 @@
                 <a:ea typeface="Lato Light" panose="020F0502020204030203" pitchFamily="34" charset="0"/>
                 <a:cs typeface="Lato Light" panose="020F0502020204030203" pitchFamily="34" charset="0"/>
               </a:rPr>
-              <a:t>It’s getting real</a:t>
+              <a:t>Our Volunteers in the group can chat with the donator through telegram and can book the food</a:t>
             </a:r>
             <a:endParaRPr lang="en-US" sz="2000" dirty="0">
               <a:solidFill>
@@ -14240,7 +15437,7 @@
         </p:nvSpPr>
         <p:spPr>
           <a:xfrm>
-            <a:off x="6732847" y="930691"/>
+            <a:off x="6529647" y="930691"/>
             <a:ext cx="3186545" cy="565516"/>
           </a:xfrm>
           <a:prstGeom prst="rect">
@@ -14249,7 +15446,7 @@
         </p:spPr>
         <p:txBody>
           <a:bodyPr vert="horz" lIns="91440" tIns="45720" rIns="91440" bIns="45720" rtlCol="0">
-            <a:normAutofit/>
+            <a:normAutofit fontScale="85000" lnSpcReduction="10000"/>
           </a:bodyPr>
           <a:lstStyle>
             <a:lvl1pPr marL="228600" indent="-228600" algn="l" defTabSz="914400" rtl="0" eaLnBrk="1" latinLnBrk="0" hangingPunct="1">
@@ -14420,7 +15617,7 @@
               <a:buNone/>
             </a:pPr>
             <a:r>
-              <a:rPr lang="pl-PL" sz="2000" dirty="0">
+              <a:rPr lang="en-US" sz="2000" dirty="0" smtClean="0">
                 <a:solidFill>
                   <a:srgbClr val="629AB8"/>
                 </a:solidFill>
@@ -14428,7 +15625,28 @@
                 <a:ea typeface="Lato Light" panose="020F0502020204030203" pitchFamily="34" charset="0"/>
                 <a:cs typeface="Lato Light" panose="020F0502020204030203" pitchFamily="34" charset="0"/>
               </a:rPr>
-              <a:t>It’s getting real</a:t>
+              <a:t>Chat with Telegram Bot</a:t>
+            </a:r>
+            <a:br>
+              <a:rPr lang="en-US" sz="2000" dirty="0" smtClean="0">
+                <a:solidFill>
+                  <a:srgbClr val="629AB8"/>
+                </a:solidFill>
+                <a:latin typeface="Lato Light" panose="020F0502020204030203" pitchFamily="34" charset="0"/>
+                <a:ea typeface="Lato Light" panose="020F0502020204030203" pitchFamily="34" charset="0"/>
+                <a:cs typeface="Lato Light" panose="020F0502020204030203" pitchFamily="34" charset="0"/>
+              </a:rPr>
+            </a:br>
+            <a:r>
+              <a:rPr lang="en-US" sz="2000" dirty="0" smtClean="0">
+                <a:solidFill>
+                  <a:srgbClr val="629AB8"/>
+                </a:solidFill>
+                <a:latin typeface="Lato Light" panose="020F0502020204030203" pitchFamily="34" charset="0"/>
+                <a:ea typeface="Lato Light" panose="020F0502020204030203" pitchFamily="34" charset="0"/>
+                <a:cs typeface="Lato Light" panose="020F0502020204030203" pitchFamily="34" charset="0"/>
+              </a:rPr>
+              <a:t>sharing the details of the food</a:t>
             </a:r>
             <a:endParaRPr lang="en-US" sz="2000" dirty="0">
               <a:solidFill>
@@ -14516,7 +15734,7 @@
         </p:spPr>
         <p:txBody>
           <a:bodyPr vert="horz" lIns="91440" tIns="45720" rIns="91440" bIns="45720" rtlCol="0">
-            <a:normAutofit/>
+            <a:normAutofit fontScale="92500" lnSpcReduction="10000"/>
           </a:bodyPr>
           <a:lstStyle>
             <a:lvl1pPr marL="228600" indent="-228600" algn="l" defTabSz="914400" rtl="0" eaLnBrk="1" latinLnBrk="0" hangingPunct="1">
@@ -14687,7 +15905,7 @@
               <a:buNone/>
             </a:pPr>
             <a:r>
-              <a:rPr lang="pl-PL" sz="2000" dirty="0">
+              <a:rPr lang="en-US" sz="2000" dirty="0" smtClean="0">
                 <a:solidFill>
                   <a:srgbClr val="629AB8"/>
                 </a:solidFill>
@@ -14695,7 +15913,7 @@
                 <a:ea typeface="Lato Light" panose="020F0502020204030203" pitchFamily="34" charset="0"/>
                 <a:cs typeface="Lato Light" panose="020F0502020204030203" pitchFamily="34" charset="0"/>
               </a:rPr>
-              <a:t>It’s getting real</a:t>
+              <a:t>They can go collect and share the food with others</a:t>
             </a:r>
             <a:endParaRPr lang="en-US" sz="2000" dirty="0">
               <a:solidFill>
@@ -14783,7 +16001,7 @@
         </p:spPr>
         <p:txBody>
           <a:bodyPr vert="horz" lIns="91440" tIns="45720" rIns="91440" bIns="45720" rtlCol="0">
-            <a:normAutofit/>
+            <a:normAutofit fontScale="70000" lnSpcReduction="20000"/>
           </a:bodyPr>
           <a:lstStyle>
             <a:lvl1pPr marL="228600" indent="-228600" algn="l" defTabSz="914400" rtl="0" eaLnBrk="1" latinLnBrk="0" hangingPunct="1">
@@ -14954,7 +16172,7 @@
               <a:buNone/>
             </a:pPr>
             <a:r>
-              <a:rPr lang="pl-PL" sz="2000" dirty="0">
+              <a:rPr lang="en-US" sz="2000" dirty="0" smtClean="0">
                 <a:solidFill>
                   <a:srgbClr val="629AB8"/>
                 </a:solidFill>
@@ -14962,7 +16180,7 @@
                 <a:ea typeface="Lato Light" panose="020F0502020204030203" pitchFamily="34" charset="0"/>
                 <a:cs typeface="Lato Light" panose="020F0502020204030203" pitchFamily="34" charset="0"/>
               </a:rPr>
-              <a:t>It’s getting real</a:t>
+              <a:t>Automated Bot will post the information on a centralized channel with the information of the donator</a:t>
             </a:r>
             <a:endParaRPr lang="en-US" sz="2000" dirty="0">
               <a:solidFill>
@@ -19296,7 +20514,7 @@
 </p:sld>
 </file>
 
-<file path=ppt/slides/slide4.xml><?xml version="1.0" encoding="utf-8"?>
+<file path=ppt/slides/slide5.xml><?xml version="1.0" encoding="utf-8"?>
 <p:sld xmlns:a="http://schemas.openxmlformats.org/drawingml/2006/main" xmlns:r="http://schemas.openxmlformats.org/officeDocument/2006/relationships" xmlns:p="http://schemas.openxmlformats.org/presentationml/2006/main">
   <p:cSld>
     <p:spTree>
@@ -19324,7 +20542,7 @@
         <p:spPr>
           <a:xfrm>
             <a:off x="6913485" y="95110"/>
-            <a:ext cx="4312130" cy="505418"/>
+            <a:ext cx="4300615" cy="505418"/>
           </a:xfrm>
           <a:prstGeom prst="rect">
             <a:avLst/>
@@ -19363,7 +20581,7 @@
                 <a:ea typeface="Lato Light" panose="020F0502020204030203" pitchFamily="34" charset="0"/>
                 <a:cs typeface="Lato Light" panose="020F0502020204030203" pitchFamily="34" charset="0"/>
               </a:rPr>
-              <a:t>Slide title, of course</a:t>
+              <a:t>Food Wastage</a:t>
             </a:r>
             <a:endParaRPr lang="en-US" sz="3600" dirty="0">
               <a:solidFill>
@@ -19386,7 +20604,7 @@
         </p:nvSpPr>
         <p:spPr>
           <a:xfrm>
-            <a:off x="7027801" y="591769"/>
+            <a:off x="6646801" y="591769"/>
             <a:ext cx="3949273" cy="418458"/>
           </a:xfrm>
           <a:prstGeom prst="rect">
@@ -19574,7 +20792,7 @@
                 <a:ea typeface="Lato Light" panose="020F0502020204030203" pitchFamily="34" charset="0"/>
                 <a:cs typeface="Lato Light" panose="020F0502020204030203" pitchFamily="34" charset="0"/>
               </a:rPr>
-              <a:t>Tagline should be here I guess</a:t>
+              <a:t>A Nonsensical Problem</a:t>
             </a:r>
             <a:endParaRPr lang="en-US" sz="2000" dirty="0">
               <a:solidFill>
@@ -19654,7 +20872,7 @@
         </p:spPr>
         <p:txBody>
           <a:bodyPr vert="horz" lIns="91440" tIns="45720" rIns="91440" bIns="45720" rtlCol="0">
-            <a:normAutofit/>
+            <a:normAutofit lnSpcReduction="10000"/>
           </a:bodyPr>
           <a:lstStyle>
             <a:lvl1pPr marL="0" indent="0" algn="ctr" defTabSz="914400" rtl="0" eaLnBrk="1" latinLnBrk="0" hangingPunct="1">
@@ -19833,10 +21051,10 @@
                 <a:ea typeface="Lato" panose="020F0502020204030203" pitchFamily="34" charset="0"/>
                 <a:cs typeface="Lato" panose="020F0502020204030203" pitchFamily="34" charset="0"/>
               </a:rPr>
-              <a:t>Lorem ipsum dolor sit amet, consectetur adipiscing elit, sed do eiusmod tempor incididunt ut labore et dolore magna aliqua. Ut enim ad minim veniam, quis</a:t>
+              <a:t>According to the Food and Agriculture Organization (FAO) of the United Nations, an estimated 1.3 billion </a:t>
             </a:r>
             <a:r>
-              <a:rPr lang="pl-PL" sz="1600" dirty="0">
+              <a:rPr lang="en-US" sz="1600" dirty="0" err="1">
                 <a:solidFill>
                   <a:schemeClr val="bg1">
                     <a:lumMod val="65000"/>
@@ -19846,7 +21064,7 @@
                 <a:ea typeface="Lato" panose="020F0502020204030203" pitchFamily="34" charset="0"/>
                 <a:cs typeface="Lato" panose="020F0502020204030203" pitchFamily="34" charset="0"/>
               </a:rPr>
-              <a:t> </a:t>
+              <a:t>tonnes</a:t>
             </a:r>
             <a:r>
               <a:rPr lang="en-US" sz="1600" dirty="0">
@@ -19859,11 +21077,8 @@
                 <a:ea typeface="Lato" panose="020F0502020204030203" pitchFamily="34" charset="0"/>
                 <a:cs typeface="Lato" panose="020F0502020204030203" pitchFamily="34" charset="0"/>
               </a:rPr>
-              <a:t>amet, consectetur adipiscing elit, sed do eiusmod tempor incididunt ut labore et dolore magna aliqua. Ut enim ad minim veniam, quis</a:t>
+              <a:t> of food is wasted globally each year, amounting to one-third of all food produced for human consumption. Some common culprits include buffets, restaurants, and even households, for reasons including having purchased too much or even more absurdly, that the food doesn’t look good.</a:t>
             </a:r>
-          </a:p>
-          <a:p>
-            <a:pPr algn="r"/>
             <a:endParaRPr lang="en-US" sz="1600" dirty="0">
               <a:solidFill>
                 <a:schemeClr val="bg1">
@@ -20067,12 +21282,12 @@
               <a:buNone/>
             </a:pPr>
             <a:r>
-              <a:rPr lang="pl-PL" sz="1400" b="1" dirty="0">
+              <a:rPr lang="en-US" sz="1400" b="1" dirty="0" smtClean="0">
                 <a:latin typeface="Lato Semibold" panose="020F0502020204030203" pitchFamily="34" charset="0"/>
                 <a:ea typeface="Lato Semibold" panose="020F0502020204030203" pitchFamily="34" charset="0"/>
                 <a:cs typeface="Lato Semibold" panose="020F0502020204030203" pitchFamily="34" charset="0"/>
               </a:rPr>
-              <a:t>Tagline should be here I guess</a:t>
+              <a:t>Food Wastage in Events</a:t>
             </a:r>
             <a:endParaRPr lang="en-US" sz="1400" b="1" dirty="0">
               <a:latin typeface="Lato Semibold" panose="020F0502020204030203" pitchFamily="34" charset="0"/>
@@ -20272,12 +21487,12 @@
               <a:buNone/>
             </a:pPr>
             <a:r>
-              <a:rPr lang="pl-PL" sz="1400" b="1" dirty="0">
+              <a:rPr lang="en-US" sz="1400" b="1" dirty="0">
                 <a:latin typeface="Lato Semibold" panose="020F0502020204030203" pitchFamily="34" charset="0"/>
                 <a:ea typeface="Lato Semibold" panose="020F0502020204030203" pitchFamily="34" charset="0"/>
                 <a:cs typeface="Lato Semibold" panose="020F0502020204030203" pitchFamily="34" charset="0"/>
               </a:rPr>
-              <a:t>Tagline should be here I guess</a:t>
+              <a:t>Ordering via the internet</a:t>
             </a:r>
             <a:endParaRPr lang="en-US" sz="1400" b="1" dirty="0">
               <a:latin typeface="Lato Semibold" panose="020F0502020204030203" pitchFamily="34" charset="0"/>
@@ -20477,12 +21692,20 @@
               <a:buNone/>
             </a:pPr>
             <a:r>
-              <a:rPr lang="pl-PL" sz="1400" b="1" dirty="0">
+              <a:rPr lang="en-US" sz="1400" b="1" dirty="0" smtClean="0">
                 <a:latin typeface="Lato Semibold" panose="020F0502020204030203" pitchFamily="34" charset="0"/>
                 <a:ea typeface="Lato Semibold" panose="020F0502020204030203" pitchFamily="34" charset="0"/>
                 <a:cs typeface="Lato Semibold" panose="020F0502020204030203" pitchFamily="34" charset="0"/>
               </a:rPr>
-              <a:t>Tagline should be here I guess</a:t>
+              <a:t>Purchasing </a:t>
+            </a:r>
+            <a:r>
+              <a:rPr lang="en-US" sz="1400" b="1" dirty="0">
+                <a:latin typeface="Lato Semibold" panose="020F0502020204030203" pitchFamily="34" charset="0"/>
+                <a:ea typeface="Lato Semibold" panose="020F0502020204030203" pitchFamily="34" charset="0"/>
+                <a:cs typeface="Lato Semibold" panose="020F0502020204030203" pitchFamily="34" charset="0"/>
+              </a:rPr>
+              <a:t>or preparing too much</a:t>
             </a:r>
             <a:endParaRPr lang="en-US" sz="1400" b="1" dirty="0">
               <a:latin typeface="Lato Semibold" panose="020F0502020204030203" pitchFamily="34" charset="0"/>
@@ -20680,7 +21903,7 @@
           <a:p>
             <a:pPr algn="l"/>
             <a:r>
-              <a:rPr lang="en-US" sz="1200" dirty="0">
+              <a:rPr lang="en-US" sz="1200" dirty="0" smtClean="0">
                 <a:solidFill>
                   <a:schemeClr val="bg1">
                     <a:lumMod val="65000"/>
@@ -20690,8 +21913,18 @@
                 <a:ea typeface="Lato" panose="020F0502020204030203" pitchFamily="34" charset="0"/>
                 <a:cs typeface="Lato" panose="020F0502020204030203" pitchFamily="34" charset="0"/>
               </a:rPr>
-              <a:t>Lorem ipsum dolor sit amet, consectetur adipiscing elit, sed do</a:t>
+              <a:t>In Big events like Weddings in India, people are tend to prepare extra food for guests</a:t>
             </a:r>
+            <a:endParaRPr lang="en-US" sz="1200" dirty="0">
+              <a:solidFill>
+                <a:schemeClr val="bg1">
+                  <a:lumMod val="65000"/>
+                </a:schemeClr>
+              </a:solidFill>
+              <a:latin typeface="Lato" panose="020F0502020204030203" pitchFamily="34" charset="0"/>
+              <a:ea typeface="Lato" panose="020F0502020204030203" pitchFamily="34" charset="0"/>
+              <a:cs typeface="Lato" panose="020F0502020204030203" pitchFamily="34" charset="0"/>
+            </a:endParaRPr>
           </a:p>
         </p:txBody>
       </p:sp>
@@ -20714,7 +21947,7 @@
         </p:spPr>
         <p:txBody>
           <a:bodyPr vert="horz" lIns="91440" tIns="45720" rIns="91440" bIns="45720" rtlCol="0">
-            <a:normAutofit/>
+            <a:normAutofit fontScale="70000" lnSpcReduction="20000"/>
           </a:bodyPr>
           <a:lstStyle>
             <a:lvl1pPr marL="0" indent="0" algn="ctr" defTabSz="914400" rtl="0" eaLnBrk="1" latinLnBrk="0" hangingPunct="1">
@@ -20893,8 +22126,18 @@
                 <a:ea typeface="Lato" panose="020F0502020204030203" pitchFamily="34" charset="0"/>
                 <a:cs typeface="Lato" panose="020F0502020204030203" pitchFamily="34" charset="0"/>
               </a:rPr>
-              <a:t>Lorem ipsum dolor sit amet, consectetur adipiscing elit, sed do</a:t>
+              <a:t>It's not just limited to events; nowadays, people order food online, and if there's a packaging flaw or a few extra spices, the food is rejected by the customer who paid for it, and it's useless for the restaurant owner as well; he can't deceive his customers by reselling the same item, so the food ends up in the trash.</a:t>
             </a:r>
+            <a:endParaRPr lang="en-US" sz="1200" dirty="0">
+              <a:solidFill>
+                <a:schemeClr val="bg1">
+                  <a:lumMod val="65000"/>
+                </a:schemeClr>
+              </a:solidFill>
+              <a:latin typeface="Lato" panose="020F0502020204030203" pitchFamily="34" charset="0"/>
+              <a:ea typeface="Lato" panose="020F0502020204030203" pitchFamily="34" charset="0"/>
+              <a:cs typeface="Lato" panose="020F0502020204030203" pitchFamily="34" charset="0"/>
+            </a:endParaRPr>
           </a:p>
         </p:txBody>
       </p:sp>
@@ -21086,7 +22329,7 @@
           <a:p>
             <a:pPr algn="l"/>
             <a:r>
-              <a:rPr lang="en-US" sz="1200" dirty="0">
+              <a:rPr lang="en-US" sz="1200" dirty="0" smtClean="0">
                 <a:solidFill>
                   <a:schemeClr val="bg1">
                     <a:lumMod val="65000"/>
@@ -21096,8 +22339,18 @@
                 <a:ea typeface="Lato" panose="020F0502020204030203" pitchFamily="34" charset="0"/>
                 <a:cs typeface="Lato" panose="020F0502020204030203" pitchFamily="34" charset="0"/>
               </a:rPr>
-              <a:t>Lorem ipsum dolor sit amet, consectetur adipiscing elit, sed do</a:t>
+              <a:t>Many times we have extra servings of food left with us, we can donate it</a:t>
             </a:r>
+            <a:endParaRPr lang="en-US" sz="1200" dirty="0">
+              <a:solidFill>
+                <a:schemeClr val="bg1">
+                  <a:lumMod val="65000"/>
+                </a:schemeClr>
+              </a:solidFill>
+              <a:latin typeface="Lato" panose="020F0502020204030203" pitchFamily="34" charset="0"/>
+              <a:ea typeface="Lato" panose="020F0502020204030203" pitchFamily="34" charset="0"/>
+              <a:cs typeface="Lato" panose="020F0502020204030203" pitchFamily="34" charset="0"/>
+            </a:endParaRPr>
           </a:p>
         </p:txBody>
       </p:sp>
@@ -22008,14 +23261,15 @@
               </a:path>
             </a:pathLst>
           </a:custGeom>
-          <a:blipFill>
-            <a:blip r:embed="rId2" cstate="email">
+          <a:blipFill dpi="0" rotWithShape="1">
+            <a:blip r:embed="rId2">
               <a:extLst>
                 <a:ext uri="{28A0092B-C50C-407E-A947-70E740481C1C}">
-                  <a14:useLocalDpi xmlns:a14="http://schemas.microsoft.com/office/drawing/2010/main"/>
+                  <a14:useLocalDpi xmlns:a14="http://schemas.microsoft.com/office/drawing/2010/main" val="0"/>
                 </a:ext>
               </a:extLst>
             </a:blip>
+            <a:srcRect/>
             <a:stretch>
               <a:fillRect/>
             </a:stretch>
@@ -22791,7 +24045,7 @@
 </p:sld>
 </file>
 
-<file path=ppt/slides/slide5.xml><?xml version="1.0" encoding="utf-8"?>
+<file path=ppt/slides/slide6.xml><?xml version="1.0" encoding="utf-8"?>
 <p:sld xmlns:a="http://schemas.openxmlformats.org/drawingml/2006/main" xmlns:r="http://schemas.openxmlformats.org/officeDocument/2006/relationships" xmlns:p="http://schemas.openxmlformats.org/presentationml/2006/main">
   <p:cSld>
     <p:spTree>
@@ -24079,7 +25333,7 @@
 </p:sld>
 </file>
 
-<file path=ppt/slides/slide6.xml><?xml version="1.0" encoding="utf-8"?>
+<file path=ppt/slides/slide7.xml><?xml version="1.0" encoding="utf-8"?>
 <p:sld xmlns:a="http://schemas.openxmlformats.org/drawingml/2006/main" xmlns:r="http://schemas.openxmlformats.org/officeDocument/2006/relationships" xmlns:p="http://schemas.openxmlformats.org/presentationml/2006/main">
   <p:cSld>
     <p:spTree>
@@ -25044,10 +26298,17 @@
   <p:clrMapOvr>
     <a:masterClrMapping/>
   </p:clrMapOvr>
+  <p:timing>
+    <p:tnLst>
+      <p:par>
+        <p:cTn id="1" dur="indefinite" restart="never" nodeType="tmRoot"/>
+      </p:par>
+    </p:tnLst>
+  </p:timing>
 </p:sld>
 </file>
 
-<file path=ppt/slides/slide7.xml><?xml version="1.0" encoding="utf-8"?>
+<file path=ppt/slides/slide8.xml><?xml version="1.0" encoding="utf-8"?>
 <p:sld xmlns:a="http://schemas.openxmlformats.org/drawingml/2006/main" xmlns:r="http://schemas.openxmlformats.org/officeDocument/2006/relationships" xmlns:p="http://schemas.openxmlformats.org/presentationml/2006/main">
   <p:cSld>
     <p:spTree>
@@ -25853,10 +27114,17 @@
   <p:clrMapOvr>
     <a:masterClrMapping/>
   </p:clrMapOvr>
+  <p:timing>
+    <p:tnLst>
+      <p:par>
+        <p:cTn id="1" dur="indefinite" restart="never" nodeType="tmRoot"/>
+      </p:par>
+    </p:tnLst>
+  </p:timing>
 </p:sld>
 </file>
 
-<file path=ppt/slides/slide8.xml><?xml version="1.0" encoding="utf-8"?>
+<file path=ppt/slides/slide9.xml><?xml version="1.0" encoding="utf-8"?>
 <p:sld xmlns:a="http://schemas.openxmlformats.org/drawingml/2006/main" xmlns:r="http://schemas.openxmlformats.org/officeDocument/2006/relationships" xmlns:p="http://schemas.openxmlformats.org/presentationml/2006/main">
   <p:cSld>
     <p:spTree>
@@ -34388,801 +35656,13 @@
   <p:clrMapOvr>
     <a:masterClrMapping/>
   </p:clrMapOvr>
-</p:sld>
-</file>
-
-<file path=ppt/slides/slide9.xml><?xml version="1.0" encoding="utf-8"?>
-<p:sld xmlns:a="http://schemas.openxmlformats.org/drawingml/2006/main" xmlns:r="http://schemas.openxmlformats.org/officeDocument/2006/relationships" xmlns:p="http://schemas.openxmlformats.org/presentationml/2006/main">
-  <p:cSld>
-    <p:spTree>
-      <p:nvGrpSpPr>
-        <p:cNvPr id="1" name=""/>
-        <p:cNvGrpSpPr/>
-        <p:nvPr/>
-      </p:nvGrpSpPr>
-      <p:grpSpPr>
-        <a:xfrm>
-          <a:off x="0" y="0"/>
-          <a:ext cx="0" cy="0"/>
-          <a:chOff x="0" y="0"/>
-          <a:chExt cx="0" cy="0"/>
-        </a:xfrm>
-      </p:grpSpPr>
-      <p:grpSp>
-        <p:nvGrpSpPr>
-          <p:cNvPr id="21" name="Group 20"/>
-          <p:cNvGrpSpPr/>
-          <p:nvPr/>
-        </p:nvGrpSpPr>
-        <p:grpSpPr>
-          <a:xfrm>
-            <a:off x="429171" y="321053"/>
-            <a:ext cx="5044109" cy="3356896"/>
-            <a:chOff x="4042972" y="537099"/>
-            <a:chExt cx="6289210" cy="4185523"/>
-          </a:xfrm>
-        </p:grpSpPr>
-        <p:grpSp>
-          <p:nvGrpSpPr>
-            <p:cNvPr id="22" name="Group 21"/>
-            <p:cNvGrpSpPr/>
-            <p:nvPr/>
-          </p:nvGrpSpPr>
-          <p:grpSpPr>
-            <a:xfrm>
-              <a:off x="4042972" y="537099"/>
-              <a:ext cx="427772" cy="422366"/>
-              <a:chOff x="4648938" y="1655761"/>
-              <a:chExt cx="640555" cy="632460"/>
-            </a:xfrm>
-            <a:solidFill>
-              <a:srgbClr val="91B9A3"/>
-            </a:solidFill>
-          </p:grpSpPr>
-          <p:sp>
-            <p:nvSpPr>
-              <p:cNvPr id="27" name="Rectangle 26"/>
-              <p:cNvSpPr/>
-              <p:nvPr/>
-            </p:nvSpPr>
-            <p:spPr>
-              <a:xfrm>
-                <a:off x="4648938" y="1655761"/>
-                <a:ext cx="223837" cy="632460"/>
-              </a:xfrm>
-              <a:prstGeom prst="rect">
-                <a:avLst/>
-              </a:prstGeom>
-              <a:grpFill/>
-              <a:ln>
-                <a:noFill/>
-              </a:ln>
-            </p:spPr>
-            <p:style>
-              <a:lnRef idx="2">
-                <a:schemeClr val="accent1">
-                  <a:shade val="50000"/>
-                </a:schemeClr>
-              </a:lnRef>
-              <a:fillRef idx="1">
-                <a:schemeClr val="accent1"/>
-              </a:fillRef>
-              <a:effectRef idx="0">
-                <a:schemeClr val="accent1"/>
-              </a:effectRef>
-              <a:fontRef idx="minor">
-                <a:schemeClr val="lt1"/>
-              </a:fontRef>
-            </p:style>
-            <p:txBody>
-              <a:bodyPr rtlCol="0" anchor="ctr"/>
-              <a:lstStyle/>
-              <a:p>
-                <a:pPr algn="ctr"/>
-                <a:endParaRPr lang="pl-PL" b="1">
-                  <a:latin typeface="Open Sans" panose="020B0606030504020204" pitchFamily="34" charset="0"/>
-                  <a:ea typeface="Open Sans" panose="020B0606030504020204" pitchFamily="34" charset="0"/>
-                  <a:cs typeface="Open Sans" panose="020B0606030504020204" pitchFamily="34" charset="0"/>
-                </a:endParaRPr>
-              </a:p>
-            </p:txBody>
-          </p:sp>
-          <p:sp>
-            <p:nvSpPr>
-              <p:cNvPr id="28" name="Rectangle 27"/>
-              <p:cNvSpPr/>
-              <p:nvPr/>
-            </p:nvSpPr>
-            <p:spPr>
-              <a:xfrm rot="5400000">
-                <a:off x="4861344" y="1451928"/>
-                <a:ext cx="223837" cy="632460"/>
-              </a:xfrm>
-              <a:prstGeom prst="rect">
-                <a:avLst/>
-              </a:prstGeom>
-              <a:grpFill/>
-              <a:ln>
-                <a:noFill/>
-              </a:ln>
-            </p:spPr>
-            <p:style>
-              <a:lnRef idx="2">
-                <a:schemeClr val="accent1">
-                  <a:shade val="50000"/>
-                </a:schemeClr>
-              </a:lnRef>
-              <a:fillRef idx="1">
-                <a:schemeClr val="accent1"/>
-              </a:fillRef>
-              <a:effectRef idx="0">
-                <a:schemeClr val="accent1"/>
-              </a:effectRef>
-              <a:fontRef idx="minor">
-                <a:schemeClr val="lt1"/>
-              </a:fontRef>
-            </p:style>
-            <p:txBody>
-              <a:bodyPr rtlCol="0" anchor="ctr"/>
-              <a:lstStyle/>
-              <a:p>
-                <a:pPr algn="ctr"/>
-                <a:endParaRPr lang="pl-PL" b="1">
-                  <a:latin typeface="Open Sans" panose="020B0606030504020204" pitchFamily="34" charset="0"/>
-                  <a:ea typeface="Open Sans" panose="020B0606030504020204" pitchFamily="34" charset="0"/>
-                  <a:cs typeface="Open Sans" panose="020B0606030504020204" pitchFamily="34" charset="0"/>
-                </a:endParaRPr>
-              </a:p>
-            </p:txBody>
-          </p:sp>
-        </p:grpSp>
-        <p:grpSp>
-          <p:nvGrpSpPr>
-            <p:cNvPr id="23" name="Group 22"/>
-            <p:cNvGrpSpPr/>
-            <p:nvPr/>
-          </p:nvGrpSpPr>
-          <p:grpSpPr>
-            <a:xfrm rot="10800000">
-              <a:off x="9904416" y="4300256"/>
-              <a:ext cx="427766" cy="422366"/>
-              <a:chOff x="1373122" y="-3695857"/>
-              <a:chExt cx="640545" cy="632460"/>
-            </a:xfrm>
-            <a:solidFill>
-              <a:srgbClr val="91B9A3"/>
-            </a:solidFill>
-          </p:grpSpPr>
-          <p:sp>
-            <p:nvSpPr>
-              <p:cNvPr id="25" name="Rectangle 24"/>
-              <p:cNvSpPr/>
-              <p:nvPr/>
-            </p:nvSpPr>
-            <p:spPr>
-              <a:xfrm>
-                <a:off x="1373122" y="-3695857"/>
-                <a:ext cx="223837" cy="632460"/>
-              </a:xfrm>
-              <a:prstGeom prst="rect">
-                <a:avLst/>
-              </a:prstGeom>
-              <a:grpFill/>
-              <a:ln>
-                <a:noFill/>
-              </a:ln>
-            </p:spPr>
-            <p:style>
-              <a:lnRef idx="2">
-                <a:schemeClr val="accent1">
-                  <a:shade val="50000"/>
-                </a:schemeClr>
-              </a:lnRef>
-              <a:fillRef idx="1">
-                <a:schemeClr val="accent1"/>
-              </a:fillRef>
-              <a:effectRef idx="0">
-                <a:schemeClr val="accent1"/>
-              </a:effectRef>
-              <a:fontRef idx="minor">
-                <a:schemeClr val="lt1"/>
-              </a:fontRef>
-            </p:style>
-            <p:txBody>
-              <a:bodyPr rtlCol="0" anchor="ctr"/>
-              <a:lstStyle/>
-              <a:p>
-                <a:pPr algn="ctr"/>
-                <a:endParaRPr lang="pl-PL" b="1">
-                  <a:latin typeface="Open Sans" panose="020B0606030504020204" pitchFamily="34" charset="0"/>
-                  <a:ea typeface="Open Sans" panose="020B0606030504020204" pitchFamily="34" charset="0"/>
-                  <a:cs typeface="Open Sans" panose="020B0606030504020204" pitchFamily="34" charset="0"/>
-                </a:endParaRPr>
-              </a:p>
-            </p:txBody>
-          </p:sp>
-          <p:sp>
-            <p:nvSpPr>
-              <p:cNvPr id="26" name="Rectangle 25"/>
-              <p:cNvSpPr/>
-              <p:nvPr/>
-            </p:nvSpPr>
-            <p:spPr>
-              <a:xfrm rot="5400000">
-                <a:off x="1585521" y="-3899681"/>
-                <a:ext cx="223837" cy="632455"/>
-              </a:xfrm>
-              <a:prstGeom prst="rect">
-                <a:avLst/>
-              </a:prstGeom>
-              <a:grpFill/>
-              <a:ln>
-                <a:noFill/>
-              </a:ln>
-            </p:spPr>
-            <p:style>
-              <a:lnRef idx="2">
-                <a:schemeClr val="accent1">
-                  <a:shade val="50000"/>
-                </a:schemeClr>
-              </a:lnRef>
-              <a:fillRef idx="1">
-                <a:schemeClr val="accent1"/>
-              </a:fillRef>
-              <a:effectRef idx="0">
-                <a:schemeClr val="accent1"/>
-              </a:effectRef>
-              <a:fontRef idx="minor">
-                <a:schemeClr val="lt1"/>
-              </a:fontRef>
-            </p:style>
-            <p:txBody>
-              <a:bodyPr rtlCol="0" anchor="ctr"/>
-              <a:lstStyle/>
-              <a:p>
-                <a:pPr algn="ctr"/>
-                <a:endParaRPr lang="pl-PL" b="1">
-                  <a:latin typeface="Open Sans" panose="020B0606030504020204" pitchFamily="34" charset="0"/>
-                  <a:ea typeface="Open Sans" panose="020B0606030504020204" pitchFamily="34" charset="0"/>
-                  <a:cs typeface="Open Sans" panose="020B0606030504020204" pitchFamily="34" charset="0"/>
-                </a:endParaRPr>
-              </a:p>
-            </p:txBody>
-          </p:sp>
-        </p:grpSp>
-        <p:sp>
-          <p:nvSpPr>
-            <p:cNvPr id="24" name="TextBox 23"/>
-            <p:cNvSpPr txBox="1"/>
-            <p:nvPr/>
-          </p:nvSpPr>
-          <p:spPr>
-            <a:xfrm>
-              <a:off x="4255683" y="693606"/>
-              <a:ext cx="5794609" cy="3799115"/>
-            </a:xfrm>
-            <a:prstGeom prst="rect">
-              <a:avLst/>
-            </a:prstGeom>
-            <a:noFill/>
-          </p:spPr>
-          <p:txBody>
-            <a:bodyPr wrap="none" rtlCol="0">
-              <a:spAutoFit/>
-            </a:bodyPr>
-            <a:lstStyle/>
-            <a:p>
-              <a:r>
-                <a:rPr lang="en-US" sz="9600" b="1" spc="-150" dirty="0">
-                  <a:solidFill>
-                    <a:schemeClr val="bg1">
-                      <a:lumMod val="65000"/>
-                    </a:schemeClr>
-                  </a:solidFill>
-                  <a:latin typeface="Open Sans" panose="020B0606030504020204" pitchFamily="34" charset="0"/>
-                  <a:ea typeface="Open Sans" panose="020B0606030504020204" pitchFamily="34" charset="0"/>
-                  <a:cs typeface="Open Sans" panose="020B0606030504020204" pitchFamily="34" charset="0"/>
-                </a:rPr>
-                <a:t>SLIDE </a:t>
-              </a:r>
-            </a:p>
-            <a:p>
-              <a:r>
-                <a:rPr lang="en-US" sz="9600" b="1" spc="-150" dirty="0">
-                  <a:solidFill>
-                    <a:schemeClr val="bg1">
-                      <a:lumMod val="65000"/>
-                    </a:schemeClr>
-                  </a:solidFill>
-                  <a:latin typeface="Open Sans" panose="020B0606030504020204" pitchFamily="34" charset="0"/>
-                  <a:ea typeface="Open Sans" panose="020B0606030504020204" pitchFamily="34" charset="0"/>
-                  <a:cs typeface="Open Sans" panose="020B0606030504020204" pitchFamily="34" charset="0"/>
-                </a:rPr>
-                <a:t>DESIGN</a:t>
-              </a:r>
-              <a:endParaRPr lang="pl-PL" sz="9600" b="1" spc="-150" dirty="0">
-                <a:solidFill>
-                  <a:schemeClr val="bg1">
-                    <a:lumMod val="65000"/>
-                  </a:schemeClr>
-                </a:solidFill>
-                <a:latin typeface="Open Sans" panose="020B0606030504020204" pitchFamily="34" charset="0"/>
-                <a:ea typeface="Open Sans" panose="020B0606030504020204" pitchFamily="34" charset="0"/>
-                <a:cs typeface="Open Sans" panose="020B0606030504020204" pitchFamily="34" charset="0"/>
-              </a:endParaRPr>
-            </a:p>
-          </p:txBody>
-        </p:sp>
-      </p:grpSp>
-      <p:grpSp>
-        <p:nvGrpSpPr>
-          <p:cNvPr id="39" name="Group 38"/>
-          <p:cNvGrpSpPr/>
-          <p:nvPr/>
-        </p:nvGrpSpPr>
-        <p:grpSpPr>
-          <a:xfrm>
-            <a:off x="5236381" y="-21771"/>
-            <a:ext cx="6673091" cy="6887028"/>
-            <a:chOff x="5442860" y="-21771"/>
-            <a:chExt cx="6598101" cy="6809634"/>
-          </a:xfrm>
-        </p:grpSpPr>
-        <p:sp>
-          <p:nvSpPr>
-            <p:cNvPr id="11" name="Flowchart: Merge 10"/>
-            <p:cNvSpPr/>
-            <p:nvPr/>
-          </p:nvSpPr>
-          <p:spPr>
-            <a:xfrm>
-              <a:off x="5442860" y="0"/>
-              <a:ext cx="4325255" cy="2201664"/>
-            </a:xfrm>
-            <a:prstGeom prst="flowChartMerge">
-              <a:avLst/>
-            </a:prstGeom>
-            <a:blipFill>
-              <a:blip r:embed="rId2" cstate="email">
-                <a:extLst>
-                  <a:ext uri="{28A0092B-C50C-407E-A947-70E740481C1C}">
-                    <a14:useLocalDpi xmlns:a14="http://schemas.microsoft.com/office/drawing/2010/main"/>
-                  </a:ext>
-                </a:extLst>
-              </a:blip>
-              <a:srcRect/>
-              <a:stretch>
-                <a:fillRect/>
-              </a:stretch>
-            </a:blipFill>
-            <a:ln>
-              <a:noFill/>
-            </a:ln>
-          </p:spPr>
-          <p:style>
-            <a:lnRef idx="2">
-              <a:schemeClr val="accent1">
-                <a:shade val="50000"/>
-              </a:schemeClr>
-            </a:lnRef>
-            <a:fillRef idx="1">
-              <a:schemeClr val="accent1"/>
-            </a:fillRef>
-            <a:effectRef idx="0">
-              <a:schemeClr val="accent1"/>
-            </a:effectRef>
-            <a:fontRef idx="minor">
-              <a:schemeClr val="lt1"/>
-            </a:fontRef>
-          </p:style>
-          <p:txBody>
-            <a:bodyPr rtlCol="0" anchor="ctr"/>
-            <a:lstStyle/>
-            <a:p>
-              <a:pPr algn="ctr"/>
-              <a:endParaRPr lang="pl-PL"/>
-            </a:p>
-          </p:txBody>
-        </p:sp>
-        <p:sp>
-          <p:nvSpPr>
-            <p:cNvPr id="12" name="Flowchart: Merge 11"/>
-            <p:cNvSpPr/>
-            <p:nvPr/>
-          </p:nvSpPr>
-          <p:spPr>
-            <a:xfrm rot="10800000">
-              <a:off x="5442860" y="2280837"/>
-              <a:ext cx="4325255" cy="2201664"/>
-            </a:xfrm>
-            <a:prstGeom prst="flowChartMerge">
-              <a:avLst/>
-            </a:prstGeom>
-            <a:noFill/>
-            <a:ln w="19050">
-              <a:solidFill>
-                <a:schemeClr val="bg2">
-                  <a:lumMod val="75000"/>
-                </a:schemeClr>
-              </a:solidFill>
-            </a:ln>
-          </p:spPr>
-          <p:style>
-            <a:lnRef idx="2">
-              <a:schemeClr val="accent1">
-                <a:shade val="50000"/>
-              </a:schemeClr>
-            </a:lnRef>
-            <a:fillRef idx="1">
-              <a:schemeClr val="accent1"/>
-            </a:fillRef>
-            <a:effectRef idx="0">
-              <a:schemeClr val="accent1"/>
-            </a:effectRef>
-            <a:fontRef idx="minor">
-              <a:schemeClr val="lt1"/>
-            </a:fontRef>
-          </p:style>
-          <p:txBody>
-            <a:bodyPr rtlCol="0" anchor="ctr"/>
-            <a:lstStyle/>
-            <a:p>
-              <a:pPr algn="ctr"/>
-              <a:endParaRPr lang="pl-PL"/>
-            </a:p>
-          </p:txBody>
-        </p:sp>
-        <p:sp>
-          <p:nvSpPr>
-            <p:cNvPr id="13" name="Flowchart: Merge 12"/>
-            <p:cNvSpPr/>
-            <p:nvPr/>
-          </p:nvSpPr>
-          <p:spPr>
-            <a:xfrm>
-              <a:off x="5442860" y="4586199"/>
-              <a:ext cx="4325255" cy="2201664"/>
-            </a:xfrm>
-            <a:prstGeom prst="flowChartMerge">
-              <a:avLst/>
-            </a:prstGeom>
-            <a:blipFill>
-              <a:blip r:embed="rId3" cstate="email">
-                <a:extLst>
-                  <a:ext uri="{28A0092B-C50C-407E-A947-70E740481C1C}">
-                    <a14:useLocalDpi xmlns:a14="http://schemas.microsoft.com/office/drawing/2010/main"/>
-                  </a:ext>
-                </a:extLst>
-              </a:blip>
-              <a:srcRect/>
-              <a:stretch>
-                <a:fillRect/>
-              </a:stretch>
-            </a:blipFill>
-            <a:ln>
-              <a:noFill/>
-            </a:ln>
-          </p:spPr>
-          <p:style>
-            <a:lnRef idx="2">
-              <a:schemeClr val="accent1">
-                <a:shade val="50000"/>
-              </a:schemeClr>
-            </a:lnRef>
-            <a:fillRef idx="1">
-              <a:schemeClr val="accent1"/>
-            </a:fillRef>
-            <a:effectRef idx="0">
-              <a:schemeClr val="accent1"/>
-            </a:effectRef>
-            <a:fontRef idx="minor">
-              <a:schemeClr val="lt1"/>
-            </a:fontRef>
-          </p:style>
-          <p:txBody>
-            <a:bodyPr rtlCol="0" anchor="ctr"/>
-            <a:lstStyle/>
-            <a:p>
-              <a:pPr algn="ctr"/>
-              <a:endParaRPr lang="pl-PL"/>
-            </a:p>
-          </p:txBody>
-        </p:sp>
-        <p:sp>
-          <p:nvSpPr>
-            <p:cNvPr id="15" name="Flowchart: Merge 14"/>
-            <p:cNvSpPr/>
-            <p:nvPr/>
-          </p:nvSpPr>
-          <p:spPr>
-            <a:xfrm rot="10800000">
-              <a:off x="7701192" y="4578942"/>
-              <a:ext cx="4325255" cy="2201664"/>
-            </a:xfrm>
-            <a:prstGeom prst="flowChartMerge">
-              <a:avLst/>
-            </a:prstGeom>
-            <a:solidFill>
-              <a:srgbClr val="AFABAB"/>
-            </a:solidFill>
-            <a:ln w="19050">
-              <a:solidFill>
-                <a:schemeClr val="bg2">
-                  <a:lumMod val="75000"/>
-                </a:schemeClr>
-              </a:solidFill>
-            </a:ln>
-          </p:spPr>
-          <p:style>
-            <a:lnRef idx="2">
-              <a:schemeClr val="accent1">
-                <a:shade val="50000"/>
-              </a:schemeClr>
-            </a:lnRef>
-            <a:fillRef idx="1">
-              <a:schemeClr val="accent1"/>
-            </a:fillRef>
-            <a:effectRef idx="0">
-              <a:schemeClr val="accent1"/>
-            </a:effectRef>
-            <a:fontRef idx="minor">
-              <a:schemeClr val="lt1"/>
-            </a:fontRef>
-          </p:style>
-          <p:txBody>
-            <a:bodyPr rtlCol="0" anchor="ctr"/>
-            <a:lstStyle/>
-            <a:p>
-              <a:pPr algn="ctr"/>
-              <a:endParaRPr lang="pl-PL"/>
-            </a:p>
-          </p:txBody>
-        </p:sp>
-        <p:sp>
-          <p:nvSpPr>
-            <p:cNvPr id="16" name="Flowchart: Merge 15"/>
-            <p:cNvSpPr/>
-            <p:nvPr/>
-          </p:nvSpPr>
-          <p:spPr>
-            <a:xfrm>
-              <a:off x="7701192" y="2259659"/>
-              <a:ext cx="4325255" cy="2201664"/>
-            </a:xfrm>
-            <a:prstGeom prst="flowChartMerge">
-              <a:avLst/>
-            </a:prstGeom>
-            <a:blipFill>
-              <a:blip r:embed="rId4" cstate="email">
-                <a:extLst>
-                  <a:ext uri="{28A0092B-C50C-407E-A947-70E740481C1C}">
-                    <a14:useLocalDpi xmlns:a14="http://schemas.microsoft.com/office/drawing/2010/main"/>
-                  </a:ext>
-                </a:extLst>
-              </a:blip>
-              <a:srcRect/>
-              <a:stretch>
-                <a:fillRect/>
-              </a:stretch>
-            </a:blipFill>
-            <a:ln>
-              <a:noFill/>
-            </a:ln>
-          </p:spPr>
-          <p:style>
-            <a:lnRef idx="2">
-              <a:schemeClr val="accent1">
-                <a:shade val="50000"/>
-              </a:schemeClr>
-            </a:lnRef>
-            <a:fillRef idx="1">
-              <a:schemeClr val="accent1"/>
-            </a:fillRef>
-            <a:effectRef idx="0">
-              <a:schemeClr val="accent1"/>
-            </a:effectRef>
-            <a:fontRef idx="minor">
-              <a:schemeClr val="lt1"/>
-            </a:fontRef>
-          </p:style>
-          <p:txBody>
-            <a:bodyPr rtlCol="0" anchor="ctr"/>
-            <a:lstStyle/>
-            <a:p>
-              <a:pPr algn="ctr"/>
-              <a:endParaRPr lang="pl-PL"/>
-            </a:p>
-          </p:txBody>
-        </p:sp>
-        <p:sp>
-          <p:nvSpPr>
-            <p:cNvPr id="17" name="Flowchart: Merge 16"/>
-            <p:cNvSpPr/>
-            <p:nvPr/>
-          </p:nvSpPr>
-          <p:spPr>
-            <a:xfrm rot="10800000">
-              <a:off x="7715706" y="-21771"/>
-              <a:ext cx="4325255" cy="2201664"/>
-            </a:xfrm>
-            <a:prstGeom prst="flowChartMerge">
-              <a:avLst/>
-            </a:prstGeom>
-            <a:noFill/>
-            <a:ln w="19050">
-              <a:solidFill>
-                <a:schemeClr val="bg2">
-                  <a:lumMod val="75000"/>
-                </a:schemeClr>
-              </a:solidFill>
-            </a:ln>
-          </p:spPr>
-          <p:style>
-            <a:lnRef idx="2">
-              <a:schemeClr val="accent1">
-                <a:shade val="50000"/>
-              </a:schemeClr>
-            </a:lnRef>
-            <a:fillRef idx="1">
-              <a:schemeClr val="accent1"/>
-            </a:fillRef>
-            <a:effectRef idx="0">
-              <a:schemeClr val="accent1"/>
-            </a:effectRef>
-            <a:fontRef idx="minor">
-              <a:schemeClr val="lt1"/>
-            </a:fontRef>
-          </p:style>
-          <p:txBody>
-            <a:bodyPr rtlCol="0" anchor="ctr"/>
-            <a:lstStyle/>
-            <a:p>
-              <a:pPr algn="ctr"/>
-              <a:endParaRPr lang="pl-PL"/>
-            </a:p>
-          </p:txBody>
-        </p:sp>
-        <p:sp>
-          <p:nvSpPr>
-            <p:cNvPr id="29" name="Flowchart: Merge 28"/>
-            <p:cNvSpPr/>
-            <p:nvPr/>
-          </p:nvSpPr>
-          <p:spPr>
-            <a:xfrm rot="16200000">
-              <a:off x="6964596" y="2040339"/>
-              <a:ext cx="767023" cy="390434"/>
-            </a:xfrm>
-            <a:prstGeom prst="flowChartMerge">
-              <a:avLst/>
-            </a:prstGeom>
-            <a:solidFill>
-              <a:srgbClr val="91B9A3"/>
-            </a:solidFill>
-            <a:ln w="19050">
-              <a:noFill/>
-            </a:ln>
-          </p:spPr>
-          <p:style>
-            <a:lnRef idx="2">
-              <a:schemeClr val="accent1">
-                <a:shade val="50000"/>
-              </a:schemeClr>
-            </a:lnRef>
-            <a:fillRef idx="1">
-              <a:schemeClr val="accent1"/>
-            </a:fillRef>
-            <a:effectRef idx="0">
-              <a:schemeClr val="accent1"/>
-            </a:effectRef>
-            <a:fontRef idx="minor">
-              <a:schemeClr val="lt1"/>
-            </a:fontRef>
-          </p:style>
-          <p:txBody>
-            <a:bodyPr rtlCol="0" anchor="ctr"/>
-            <a:lstStyle/>
-            <a:p>
-              <a:pPr algn="ctr"/>
-              <a:endParaRPr lang="pl-PL"/>
-            </a:p>
-          </p:txBody>
-        </p:sp>
-        <p:sp>
-          <p:nvSpPr>
-            <p:cNvPr id="30" name="Flowchart: Merge 29"/>
-            <p:cNvSpPr/>
-            <p:nvPr/>
-          </p:nvSpPr>
-          <p:spPr>
-            <a:xfrm>
-              <a:off x="7247744" y="4582388"/>
-              <a:ext cx="923436" cy="470052"/>
-            </a:xfrm>
-            <a:prstGeom prst="flowChartMerge">
-              <a:avLst/>
-            </a:prstGeom>
-            <a:solidFill>
-              <a:schemeClr val="bg1"/>
-            </a:solidFill>
-            <a:ln w="19050">
-              <a:noFill/>
-            </a:ln>
-          </p:spPr>
-          <p:style>
-            <a:lnRef idx="2">
-              <a:schemeClr val="accent1">
-                <a:shade val="50000"/>
-              </a:schemeClr>
-            </a:lnRef>
-            <a:fillRef idx="1">
-              <a:schemeClr val="accent1"/>
-            </a:fillRef>
-            <a:effectRef idx="0">
-              <a:schemeClr val="accent1"/>
-            </a:effectRef>
-            <a:fontRef idx="minor">
-              <a:schemeClr val="lt1"/>
-            </a:fontRef>
-          </p:style>
-          <p:txBody>
-            <a:bodyPr rtlCol="0" anchor="ctr"/>
-            <a:lstStyle/>
-            <a:p>
-              <a:pPr algn="ctr"/>
-              <a:endParaRPr lang="pl-PL"/>
-            </a:p>
-          </p:txBody>
-        </p:sp>
-      </p:grpSp>
-      <p:sp>
-        <p:nvSpPr>
-          <p:cNvPr id="38" name="Rectangle 37"/>
-          <p:cNvSpPr/>
-          <p:nvPr/>
-        </p:nvSpPr>
-        <p:spPr>
-          <a:xfrm>
-            <a:off x="650597" y="4460289"/>
-            <a:ext cx="4037986" cy="1384995"/>
-          </a:xfrm>
-          <a:prstGeom prst="rect">
-            <a:avLst/>
-          </a:prstGeom>
-        </p:spPr>
-        <p:txBody>
-          <a:bodyPr wrap="square">
-            <a:spAutoFit/>
-          </a:bodyPr>
-          <a:lstStyle/>
-          <a:p>
-            <a:pPr algn="just"/>
-            <a:r>
-              <a:rPr lang="pl-PL" sz="1400" dirty="0">
-                <a:solidFill>
-                  <a:schemeClr val="bg1">
-                    <a:lumMod val="50000"/>
-                  </a:schemeClr>
-                </a:solidFill>
-                <a:latin typeface="Open Sans" panose="020B0606030504020204" pitchFamily="34" charset="0"/>
-                <a:ea typeface="Open Sans" panose="020B0606030504020204" pitchFamily="34" charset="0"/>
-                <a:cs typeface="Open Sans" panose="020B0606030504020204" pitchFamily="34" charset="0"/>
-              </a:rPr>
-              <a:t>Lorem ipsum dolor sit amet, consectetur adipiscing elit, sed do eiusmod tempor incididunt ut labore et dolore magna aliqua. Ut enim ad minim veniam, quis nostrud exercitation ullamco laboris nisi ut aliquip ex ea commodo consequat.</a:t>
-            </a:r>
-          </a:p>
-        </p:txBody>
-      </p:sp>
-    </p:spTree>
-    <p:extLst>
-      <p:ext uri="{BB962C8B-B14F-4D97-AF65-F5344CB8AC3E}">
-        <p14:creationId xmlns:p14="http://schemas.microsoft.com/office/powerpoint/2010/main" val="221663020"/>
-      </p:ext>
-    </p:extLst>
-  </p:cSld>
-  <p:clrMapOvr>
-    <a:masterClrMapping/>
-  </p:clrMapOvr>
+  <p:timing>
+    <p:tnLst>
+      <p:par>
+        <p:cTn id="1" dur="indefinite" restart="never" nodeType="tmRoot"/>
+      </p:par>
+    </p:tnLst>
+  </p:timing>
 </p:sld>
 </file>
 
@@ -35441,7 +35921,7 @@
   <a:extraClrSchemeLst/>
   <a:extLst>
     <a:ext uri="{05A4C25C-085E-4340-85A3-A5531E510DB2}">
-      <thm15:themeFamily xmlns:thm15="http://schemas.microsoft.com/office/thememl/2012/main" xmlns="" name="Office Theme" id="{62F939B6-93AF-4DB8-9C6B-D6C7DFDC589F}" vid="{4A3C46E8-61CC-4603-A589-7422A47A8E4A}"/>
+      <thm15:themeFamily xmlns="" xmlns:thm15="http://schemas.microsoft.com/office/thememl/2012/main" name="Office Theme" id="{62F939B6-93AF-4DB8-9C6B-D6C7DFDC589F}" vid="{4A3C46E8-61CC-4603-A589-7422A47A8E4A}"/>
     </a:ext>
   </a:extLst>
 </a:theme>
@@ -35736,7 +36216,7 @@
   <a:extraClrSchemeLst/>
   <a:extLst>
     <a:ext uri="{05A4C25C-085E-4340-85A3-A5531E510DB2}">
-      <thm15:themeFamily xmlns:thm15="http://schemas.microsoft.com/office/thememl/2012/main" xmlns="" name="Office Theme" id="{62F939B6-93AF-4DB8-9C6B-D6C7DFDC589F}" vid="{4A3C46E8-61CC-4603-A589-7422A47A8E4A}"/>
+      <thm15:themeFamily xmlns="" xmlns:thm15="http://schemas.microsoft.com/office/thememl/2012/main" name="Office Theme" id="{62F939B6-93AF-4DB8-9C6B-D6C7DFDC589F}" vid="{4A3C46E8-61CC-4603-A589-7422A47A8E4A}"/>
     </a:ext>
   </a:extLst>
 </a:theme>
